--- a/servicemesh/mesh001.pptx
+++ b/servicemesh/mesh001.pptx
@@ -230,7 +230,7 @@
           <a:p>
             <a:fld id="{63F136E3-80C6-A842-B275-74FC7A4265FC}" type="datetimeFigureOut">
               <a:rPr kumimoji="1" lang="zh-CN" altLang="en-US" smtClean="0"/>
-              <a:t>2019/7/4</a:t>
+              <a:t>2019/7/25</a:t>
             </a:fld>
             <a:endParaRPr kumimoji="1" lang="zh-CN" altLang="en-US"/>
           </a:p>
@@ -294,38 +294,37 @@
           <a:p>
             <a:pPr lvl="0"/>
             <a:r>
-              <a:rPr kumimoji="1" lang="zh-CN" altLang="en-US" smtClean="0"/>
+              <a:rPr kumimoji="1" lang="zh-CN" altLang="en-US"/>
               <a:t>单击此处编辑母版文本样式</a:t>
             </a:r>
           </a:p>
           <a:p>
             <a:pPr lvl="1"/>
             <a:r>
-              <a:rPr kumimoji="1" lang="zh-CN" altLang="en-US" smtClean="0"/>
+              <a:rPr kumimoji="1" lang="zh-CN" altLang="en-US"/>
               <a:t>二级</a:t>
             </a:r>
           </a:p>
           <a:p>
             <a:pPr lvl="2"/>
             <a:r>
-              <a:rPr kumimoji="1" lang="zh-CN" altLang="en-US" smtClean="0"/>
+              <a:rPr kumimoji="1" lang="zh-CN" altLang="en-US"/>
               <a:t>三级</a:t>
             </a:r>
           </a:p>
           <a:p>
             <a:pPr lvl="3"/>
             <a:r>
-              <a:rPr kumimoji="1" lang="zh-CN" altLang="en-US" smtClean="0"/>
+              <a:rPr kumimoji="1" lang="zh-CN" altLang="en-US"/>
               <a:t>四级</a:t>
             </a:r>
           </a:p>
           <a:p>
             <a:pPr lvl="4"/>
             <a:r>
-              <a:rPr kumimoji="1" lang="zh-CN" altLang="en-US" smtClean="0"/>
+              <a:rPr kumimoji="1" lang="zh-CN" altLang="en-US"/>
               <a:t>五级</a:t>
             </a:r>
-            <a:endParaRPr kumimoji="1" lang="zh-CN" altLang="en-US"/>
           </a:p>
         </p:txBody>
       </p:sp>
@@ -1988,7 +1987,7 @@
               <a:defRPr/>
             </a:pPr>
             <a:r>
-              <a:rPr lang="zh-CN" altLang="en-US" dirty="0" smtClean="0">
+              <a:rPr lang="zh-CN" altLang="en-US" dirty="0">
                 <a:effectLst/>
               </a:rPr>
               <a:t>开发使用成本高，单独升级困难</a:t>
@@ -2265,7 +2264,7 @@
               <a:defRPr/>
             </a:pPr>
             <a:r>
-              <a:rPr lang="en-US" altLang="zh-CN" sz="1200" kern="1200" dirty="0" err="1" smtClean="0">
+              <a:rPr lang="en-US" altLang="zh-CN" sz="1200" kern="1200" dirty="0" err="1">
                 <a:solidFill>
                   <a:schemeClr val="tx1"/>
                 </a:solidFill>
@@ -2276,7 +2275,7 @@
               </a:rPr>
               <a:t>gartner</a:t>
             </a:r>
-            <a:endParaRPr lang="en-US" altLang="zh-CN" dirty="0" smtClean="0">
+            <a:endParaRPr lang="en-US" altLang="zh-CN" dirty="0">
               <a:effectLst/>
             </a:endParaRPr>
           </a:p>
@@ -2383,7 +2382,7 @@
               <a:defRPr/>
             </a:pPr>
             <a:r>
-              <a:rPr lang="en-US" altLang="zh-CN" sz="1200" kern="1200" dirty="0" err="1" smtClean="0">
+              <a:rPr lang="en-US" altLang="zh-CN" sz="1200" kern="1200" dirty="0" err="1">
                 <a:solidFill>
                   <a:schemeClr val="tx1"/>
                 </a:solidFill>
@@ -2394,7 +2393,7 @@
               </a:rPr>
               <a:t>datadog</a:t>
             </a:r>
-            <a:endParaRPr lang="en-US" altLang="zh-CN" dirty="0" smtClean="0">
+            <a:endParaRPr lang="en-US" altLang="zh-CN" dirty="0">
               <a:effectLst/>
             </a:endParaRPr>
           </a:p>
@@ -2501,43 +2500,43 @@
               <a:defRPr/>
             </a:pPr>
             <a:r>
-              <a:rPr lang="zh-CN" altLang="en-US" dirty="0" smtClean="0">
+              <a:rPr lang="zh-CN" altLang="en-US" dirty="0">
                 <a:effectLst/>
               </a:rPr>
               <a:t>将软件迁移到云</a:t>
             </a:r>
             <a:r>
-              <a:rPr lang="en-US" altLang="zh-CN" dirty="0" smtClean="0">
+              <a:rPr lang="en-US" altLang="zh-CN" dirty="0">
                 <a:effectLst/>
               </a:rPr>
               <a:t>(</a:t>
             </a:r>
             <a:r>
-              <a:rPr lang="zh-CN" altLang="en-US" dirty="0" smtClean="0">
+              <a:rPr lang="zh-CN" altLang="en-US" dirty="0">
                 <a:effectLst/>
               </a:rPr>
               <a:t>公有云和私有云</a:t>
             </a:r>
             <a:r>
-              <a:rPr lang="en-US" altLang="zh-CN" dirty="0" smtClean="0">
+              <a:rPr lang="en-US" altLang="zh-CN" dirty="0">
                 <a:effectLst/>
               </a:rPr>
               <a:t>)</a:t>
             </a:r>
             <a:r>
-              <a:rPr lang="zh-CN" altLang="en-US" dirty="0" smtClean="0">
+              <a:rPr lang="zh-CN" altLang="en-US" dirty="0">
                 <a:effectLst/>
               </a:rPr>
               <a:t>，使用了</a:t>
             </a:r>
             <a:r>
-              <a:rPr lang="zh-CN" altLang="en-US" b="1" dirty="0" smtClean="0">
+              <a:rPr lang="zh-CN" altLang="en-US" b="1" dirty="0">
                 <a:effectLst/>
               </a:rPr>
               <a:t>云原生应用架构</a:t>
             </a:r>
             <a:r>
-              <a:rPr lang="zh-CN" altLang="en-US" dirty="0" smtClean="0">
+              <a:rPr lang="zh-CN" altLang="en-US" dirty="0">
                 <a:effectLst/>
               </a:rPr>
               <a:t>是这些公司能够如此具有破坏性的核心原因</a:t>
@@ -2625,6 +2624,539 @@
           <a:bodyPr/>
           <a:lstStyle/>
           <a:p>
+            <a:r>
+              <a:rPr lang="en-US" altLang="zh-CN" sz="1200" b="1" i="0" kern="1200" dirty="0">
+                <a:solidFill>
+                  <a:schemeClr val="tx1"/>
+                </a:solidFill>
+                <a:effectLst/>
+                <a:latin typeface="+mn-lt"/>
+                <a:ea typeface="+mn-ea"/>
+                <a:cs typeface="+mn-cs"/>
+              </a:rPr>
+              <a:t>1.</a:t>
+            </a:r>
+            <a:r>
+              <a:rPr lang="zh-CN" altLang="en-US" sz="1200" b="1" i="0" kern="1200" dirty="0">
+                <a:solidFill>
+                  <a:schemeClr val="tx1"/>
+                </a:solidFill>
+                <a:effectLst/>
+                <a:latin typeface="+mn-lt"/>
+                <a:ea typeface="+mn-ea"/>
+                <a:cs typeface="+mn-cs"/>
+              </a:rPr>
+              <a:t>基准代码</a:t>
+            </a:r>
+            <a:endParaRPr lang="zh-CN" altLang="en-US" sz="1200" b="0" i="0" kern="1200" dirty="0">
+              <a:solidFill>
+                <a:schemeClr val="tx1"/>
+              </a:solidFill>
+              <a:effectLst/>
+              <a:latin typeface="+mn-lt"/>
+              <a:ea typeface="+mn-ea"/>
+              <a:cs typeface="+mn-cs"/>
+            </a:endParaRPr>
+          </a:p>
+          <a:p>
+            <a:r>
+              <a:rPr lang="zh-CN" altLang="en-US" sz="1200" b="0" i="0" kern="1200" dirty="0">
+                <a:solidFill>
+                  <a:schemeClr val="tx1"/>
+                </a:solidFill>
+                <a:effectLst/>
+                <a:latin typeface="+mn-lt"/>
+                <a:ea typeface="+mn-ea"/>
+                <a:cs typeface="+mn-cs"/>
+              </a:rPr>
+              <a:t>每个代码仓库（</a:t>
+            </a:r>
+            <a:r>
+              <a:rPr lang="en" altLang="zh-CN" sz="1200" b="0" i="0" kern="1200" dirty="0">
+                <a:solidFill>
+                  <a:schemeClr val="tx1"/>
+                </a:solidFill>
+                <a:effectLst/>
+                <a:latin typeface="+mn-lt"/>
+                <a:ea typeface="+mn-ea"/>
+                <a:cs typeface="+mn-cs"/>
+              </a:rPr>
+              <a:t>repo</a:t>
+            </a:r>
+            <a:r>
+              <a:rPr lang="zh-CN" altLang="en" sz="1200" b="0" i="0" kern="1200" dirty="0">
+                <a:solidFill>
+                  <a:schemeClr val="tx1"/>
+                </a:solidFill>
+                <a:effectLst/>
+                <a:latin typeface="+mn-lt"/>
+                <a:ea typeface="+mn-ea"/>
+                <a:cs typeface="+mn-cs"/>
+              </a:rPr>
+              <a:t>）</a:t>
+            </a:r>
+            <a:r>
+              <a:rPr lang="zh-CN" altLang="en-US" sz="1200" b="0" i="0" kern="1200" dirty="0">
+                <a:solidFill>
+                  <a:schemeClr val="tx1"/>
+                </a:solidFill>
+                <a:effectLst/>
+                <a:latin typeface="+mn-lt"/>
+                <a:ea typeface="+mn-ea"/>
+                <a:cs typeface="+mn-cs"/>
+              </a:rPr>
+              <a:t>都生成</a:t>
+            </a:r>
+            <a:r>
+              <a:rPr lang="en" altLang="zh-CN" sz="1200" b="0" i="0" kern="1200" dirty="0">
+                <a:solidFill>
+                  <a:schemeClr val="tx1"/>
+                </a:solidFill>
+                <a:effectLst/>
+                <a:latin typeface="+mn-lt"/>
+                <a:ea typeface="+mn-ea"/>
+                <a:cs typeface="+mn-cs"/>
+              </a:rPr>
+              <a:t>docker image</a:t>
+            </a:r>
+            <a:r>
+              <a:rPr lang="zh-CN" altLang="en-US" sz="1200" b="0" i="0" kern="1200" dirty="0">
+                <a:solidFill>
+                  <a:schemeClr val="tx1"/>
+                </a:solidFill>
+                <a:effectLst/>
+                <a:latin typeface="+mn-lt"/>
+                <a:ea typeface="+mn-ea"/>
+                <a:cs typeface="+mn-cs"/>
+              </a:rPr>
+              <a:t>保存到镜像仓库中，并使用唯一的</a:t>
+            </a:r>
+            <a:r>
+              <a:rPr lang="en" altLang="zh-CN" sz="1200" b="0" i="0" kern="1200" dirty="0">
+                <a:solidFill>
+                  <a:schemeClr val="tx1"/>
+                </a:solidFill>
+                <a:effectLst/>
+                <a:latin typeface="+mn-lt"/>
+                <a:ea typeface="+mn-ea"/>
+                <a:cs typeface="+mn-cs"/>
+              </a:rPr>
+              <a:t>ID</a:t>
+            </a:r>
+            <a:r>
+              <a:rPr lang="zh-CN" altLang="en-US" sz="1200" b="0" i="0" kern="1200" dirty="0">
+                <a:solidFill>
+                  <a:schemeClr val="tx1"/>
+                </a:solidFill>
+                <a:effectLst/>
+                <a:latin typeface="+mn-lt"/>
+                <a:ea typeface="+mn-ea"/>
+                <a:cs typeface="+mn-cs"/>
+              </a:rPr>
+              <a:t>管理，在</a:t>
+            </a:r>
+            <a:r>
+              <a:rPr lang="en" altLang="zh-CN" sz="1200" b="0" i="0" kern="1200" dirty="0">
+                <a:solidFill>
+                  <a:schemeClr val="tx1"/>
+                </a:solidFill>
+                <a:effectLst/>
+                <a:latin typeface="+mn-lt"/>
+                <a:ea typeface="+mn-ea"/>
+                <a:cs typeface="+mn-cs"/>
+              </a:rPr>
+              <a:t>Jenkins</a:t>
+            </a:r>
+            <a:r>
+              <a:rPr lang="zh-CN" altLang="en-US" sz="1200" b="0" i="0" kern="1200" dirty="0">
+                <a:solidFill>
+                  <a:schemeClr val="tx1"/>
+                </a:solidFill>
+                <a:effectLst/>
+                <a:latin typeface="+mn-lt"/>
+                <a:ea typeface="+mn-ea"/>
+                <a:cs typeface="+mn-cs"/>
+              </a:rPr>
+              <a:t>中使用编译时的</a:t>
+            </a:r>
+            <a:r>
+              <a:rPr lang="en" altLang="zh-CN" sz="1200" b="0" i="0" kern="1200" dirty="0">
+                <a:solidFill>
+                  <a:schemeClr val="tx1"/>
+                </a:solidFill>
+                <a:effectLst/>
+                <a:latin typeface="+mn-lt"/>
+                <a:ea typeface="+mn-ea"/>
+                <a:cs typeface="+mn-cs"/>
+              </a:rPr>
+              <a:t>ID</a:t>
+            </a:r>
+            <a:r>
+              <a:rPr lang="zh-CN" altLang="en" sz="1200" b="0" i="0" kern="1200" dirty="0">
+                <a:solidFill>
+                  <a:schemeClr val="tx1"/>
+                </a:solidFill>
+                <a:effectLst/>
+                <a:latin typeface="+mn-lt"/>
+                <a:ea typeface="+mn-ea"/>
+                <a:cs typeface="+mn-cs"/>
+              </a:rPr>
+              <a:t>。</a:t>
+            </a:r>
+          </a:p>
+          <a:p>
+            <a:r>
+              <a:rPr lang="en" altLang="zh-CN" sz="1200" b="1" i="0" kern="1200" dirty="0">
+                <a:solidFill>
+                  <a:schemeClr val="tx1"/>
+                </a:solidFill>
+                <a:effectLst/>
+                <a:latin typeface="+mn-lt"/>
+                <a:ea typeface="+mn-ea"/>
+                <a:cs typeface="+mn-cs"/>
+              </a:rPr>
+              <a:t>2.</a:t>
+            </a:r>
+            <a:r>
+              <a:rPr lang="zh-CN" altLang="en-US" sz="1200" b="1" i="0" kern="1200" dirty="0">
+                <a:solidFill>
+                  <a:schemeClr val="tx1"/>
+                </a:solidFill>
+                <a:effectLst/>
+                <a:latin typeface="+mn-lt"/>
+                <a:ea typeface="+mn-ea"/>
+                <a:cs typeface="+mn-cs"/>
+              </a:rPr>
+              <a:t>依赖</a:t>
+            </a:r>
+            <a:endParaRPr lang="zh-CN" altLang="en-US" sz="1200" b="0" i="0" kern="1200" dirty="0">
+              <a:solidFill>
+                <a:schemeClr val="tx1"/>
+              </a:solidFill>
+              <a:effectLst/>
+              <a:latin typeface="+mn-lt"/>
+              <a:ea typeface="+mn-ea"/>
+              <a:cs typeface="+mn-cs"/>
+            </a:endParaRPr>
+          </a:p>
+          <a:p>
+            <a:r>
+              <a:rPr lang="zh-CN" altLang="en-US" sz="1200" b="0" i="0" kern="1200" dirty="0">
+                <a:solidFill>
+                  <a:schemeClr val="tx1"/>
+                </a:solidFill>
+                <a:effectLst/>
+                <a:latin typeface="+mn-lt"/>
+                <a:ea typeface="+mn-ea"/>
+                <a:cs typeface="+mn-cs"/>
+              </a:rPr>
+              <a:t>显式的声明代码中的依赖，使用软件包管理工具声明，比如</a:t>
+            </a:r>
+            <a:r>
+              <a:rPr lang="en" altLang="zh-CN" sz="1200" b="0" i="0" kern="1200" dirty="0">
+                <a:solidFill>
+                  <a:schemeClr val="tx1"/>
+                </a:solidFill>
+                <a:effectLst/>
+                <a:latin typeface="+mn-lt"/>
+                <a:ea typeface="+mn-ea"/>
+                <a:cs typeface="+mn-cs"/>
+              </a:rPr>
+              <a:t>Go</a:t>
+            </a:r>
+            <a:r>
+              <a:rPr lang="zh-CN" altLang="en-US" sz="1200" b="0" i="0" kern="1200" dirty="0">
+                <a:solidFill>
+                  <a:schemeClr val="tx1"/>
+                </a:solidFill>
+                <a:effectLst/>
+                <a:latin typeface="+mn-lt"/>
+                <a:ea typeface="+mn-ea"/>
+                <a:cs typeface="+mn-cs"/>
+              </a:rPr>
+              <a:t>中的</a:t>
+            </a:r>
+            <a:r>
+              <a:rPr lang="en" altLang="zh-CN" sz="1200" b="0" i="0" kern="1200" dirty="0">
+                <a:solidFill>
+                  <a:schemeClr val="tx1"/>
+                </a:solidFill>
+                <a:effectLst/>
+                <a:latin typeface="+mn-lt"/>
+                <a:ea typeface="+mn-ea"/>
+                <a:cs typeface="+mn-cs"/>
+              </a:rPr>
+              <a:t>Glide</a:t>
+            </a:r>
+            <a:r>
+              <a:rPr lang="zh-CN" altLang="en" sz="1200" b="0" i="0" kern="1200" dirty="0">
+                <a:solidFill>
+                  <a:schemeClr val="tx1"/>
+                </a:solidFill>
+                <a:effectLst/>
+                <a:latin typeface="+mn-lt"/>
+                <a:ea typeface="+mn-ea"/>
+                <a:cs typeface="+mn-cs"/>
+              </a:rPr>
+              <a:t>。</a:t>
+            </a:r>
+          </a:p>
+          <a:p>
+            <a:r>
+              <a:rPr lang="en" altLang="zh-CN" sz="1200" b="1" i="0" kern="1200" dirty="0">
+                <a:solidFill>
+                  <a:schemeClr val="tx1"/>
+                </a:solidFill>
+                <a:effectLst/>
+                <a:latin typeface="+mn-lt"/>
+                <a:ea typeface="+mn-ea"/>
+                <a:cs typeface="+mn-cs"/>
+              </a:rPr>
+              <a:t>3.</a:t>
+            </a:r>
+            <a:r>
+              <a:rPr lang="zh-CN" altLang="en-US" sz="1200" b="1" i="0" kern="1200" dirty="0">
+                <a:solidFill>
+                  <a:schemeClr val="tx1"/>
+                </a:solidFill>
+                <a:effectLst/>
+                <a:latin typeface="+mn-lt"/>
+                <a:ea typeface="+mn-ea"/>
+                <a:cs typeface="+mn-cs"/>
+              </a:rPr>
+              <a:t>配置</a:t>
+            </a:r>
+            <a:endParaRPr lang="zh-CN" altLang="en-US" sz="1200" b="0" i="0" kern="1200" dirty="0">
+              <a:solidFill>
+                <a:schemeClr val="tx1"/>
+              </a:solidFill>
+              <a:effectLst/>
+              <a:latin typeface="+mn-lt"/>
+              <a:ea typeface="+mn-ea"/>
+              <a:cs typeface="+mn-cs"/>
+            </a:endParaRPr>
+          </a:p>
+          <a:p>
+            <a:r>
+              <a:rPr lang="zh-CN" altLang="en-US" sz="1200" b="0" i="0" kern="1200" dirty="0">
+                <a:solidFill>
+                  <a:schemeClr val="tx1"/>
+                </a:solidFill>
+                <a:effectLst/>
+                <a:latin typeface="+mn-lt"/>
+                <a:ea typeface="+mn-ea"/>
+                <a:cs typeface="+mn-cs"/>
+              </a:rPr>
+              <a:t>将配置与代码分离，应用部署到</a:t>
+            </a:r>
+            <a:r>
+              <a:rPr lang="en" altLang="zh-CN" sz="1200" b="0" i="0" kern="1200" dirty="0">
+                <a:solidFill>
+                  <a:schemeClr val="tx1"/>
+                </a:solidFill>
+                <a:effectLst/>
+                <a:latin typeface="+mn-lt"/>
+                <a:ea typeface="+mn-ea"/>
+                <a:cs typeface="+mn-cs"/>
+              </a:rPr>
+              <a:t>Kubernetes</a:t>
+            </a:r>
+            <a:r>
+              <a:rPr lang="zh-CN" altLang="en-US" sz="1200" b="0" i="0" kern="1200" dirty="0">
+                <a:solidFill>
+                  <a:schemeClr val="tx1"/>
+                </a:solidFill>
+                <a:effectLst/>
+                <a:latin typeface="+mn-lt"/>
+                <a:ea typeface="+mn-ea"/>
+                <a:cs typeface="+mn-cs"/>
+              </a:rPr>
+              <a:t>中可以使用容器的环境变量或</a:t>
+            </a:r>
+            <a:r>
+              <a:rPr lang="en" altLang="zh-CN" sz="1200" b="0" i="0" kern="1200" dirty="0" err="1">
+                <a:solidFill>
+                  <a:schemeClr val="tx1"/>
+                </a:solidFill>
+                <a:effectLst/>
+                <a:latin typeface="+mn-lt"/>
+                <a:ea typeface="+mn-ea"/>
+                <a:cs typeface="+mn-cs"/>
+              </a:rPr>
+              <a:t>ConfigMap</a:t>
+            </a:r>
+            <a:r>
+              <a:rPr lang="zh-CN" altLang="en-US" sz="1200" b="0" i="0" kern="1200" dirty="0">
+                <a:solidFill>
+                  <a:schemeClr val="tx1"/>
+                </a:solidFill>
+                <a:effectLst/>
+                <a:latin typeface="+mn-lt"/>
+                <a:ea typeface="+mn-ea"/>
+                <a:cs typeface="+mn-cs"/>
+              </a:rPr>
+              <a:t>挂载到容器中。</a:t>
+            </a:r>
+          </a:p>
+          <a:p>
+            <a:r>
+              <a:rPr lang="en-US" altLang="zh-CN" sz="1200" b="1" i="0" kern="1200" dirty="0">
+                <a:solidFill>
+                  <a:schemeClr val="tx1"/>
+                </a:solidFill>
+                <a:effectLst/>
+                <a:latin typeface="+mn-lt"/>
+                <a:ea typeface="+mn-ea"/>
+                <a:cs typeface="+mn-cs"/>
+              </a:rPr>
+              <a:t>4.</a:t>
+            </a:r>
+            <a:r>
+              <a:rPr lang="zh-CN" altLang="en-US" sz="1200" b="1" i="0" kern="1200" dirty="0">
+                <a:solidFill>
+                  <a:schemeClr val="tx1"/>
+                </a:solidFill>
+                <a:effectLst/>
+                <a:latin typeface="+mn-lt"/>
+                <a:ea typeface="+mn-ea"/>
+                <a:cs typeface="+mn-cs"/>
+              </a:rPr>
+              <a:t>后端服务</a:t>
+            </a:r>
+            <a:endParaRPr lang="zh-CN" altLang="en-US" sz="1200" b="0" i="0" kern="1200" dirty="0">
+              <a:solidFill>
+                <a:schemeClr val="tx1"/>
+              </a:solidFill>
+              <a:effectLst/>
+              <a:latin typeface="+mn-lt"/>
+              <a:ea typeface="+mn-ea"/>
+              <a:cs typeface="+mn-cs"/>
+            </a:endParaRPr>
+          </a:p>
+          <a:p>
+            <a:r>
+              <a:rPr lang="zh-CN" altLang="en-US" sz="1200" b="0" i="0" kern="1200" dirty="0">
+                <a:solidFill>
+                  <a:schemeClr val="tx1"/>
+                </a:solidFill>
+                <a:effectLst/>
+                <a:latin typeface="+mn-lt"/>
+                <a:ea typeface="+mn-ea"/>
+                <a:cs typeface="+mn-cs"/>
+              </a:rPr>
+              <a:t>把后端服务当作附加资源，实质上是计算存储分离和降低服务耦合，分解单体应用。</a:t>
+            </a:r>
+          </a:p>
+          <a:p>
+            <a:r>
+              <a:rPr lang="en-US" altLang="zh-CN" sz="1200" b="1" i="0" kern="1200" dirty="0">
+                <a:solidFill>
+                  <a:schemeClr val="tx1"/>
+                </a:solidFill>
+                <a:effectLst/>
+                <a:latin typeface="+mn-lt"/>
+                <a:ea typeface="+mn-ea"/>
+                <a:cs typeface="+mn-cs"/>
+              </a:rPr>
+              <a:t>5.</a:t>
+            </a:r>
+            <a:r>
+              <a:rPr lang="zh-CN" altLang="en-US" sz="1200" b="1" i="0" kern="1200" dirty="0">
+                <a:solidFill>
+                  <a:schemeClr val="tx1"/>
+                </a:solidFill>
+                <a:effectLst/>
+                <a:latin typeface="+mn-lt"/>
+                <a:ea typeface="+mn-ea"/>
+                <a:cs typeface="+mn-cs"/>
+              </a:rPr>
+              <a:t>构建、发布、运行</a:t>
+            </a:r>
+            <a:endParaRPr lang="zh-CN" altLang="en-US" sz="1200" b="0" i="0" kern="1200" dirty="0">
+              <a:solidFill>
+                <a:schemeClr val="tx1"/>
+              </a:solidFill>
+              <a:effectLst/>
+              <a:latin typeface="+mn-lt"/>
+              <a:ea typeface="+mn-ea"/>
+              <a:cs typeface="+mn-cs"/>
+            </a:endParaRPr>
+          </a:p>
+          <a:p>
+            <a:r>
+              <a:rPr lang="zh-CN" altLang="en-US" sz="1200" b="0" i="0" kern="1200" dirty="0">
+                <a:solidFill>
+                  <a:schemeClr val="tx1"/>
+                </a:solidFill>
+                <a:effectLst/>
+                <a:latin typeface="+mn-lt"/>
+                <a:ea typeface="+mn-ea"/>
+                <a:cs typeface="+mn-cs"/>
+              </a:rPr>
+              <a:t>严格分离构建和运行，每次修改代码生成新的镜像，重新发布，不能直接修改运行时的代码和配置。</a:t>
+            </a:r>
+          </a:p>
+          <a:p>
+            <a:r>
+              <a:rPr lang="en-US" altLang="zh-CN" sz="1200" b="1" i="0" kern="1200" dirty="0">
+                <a:solidFill>
+                  <a:schemeClr val="tx1"/>
+                </a:solidFill>
+                <a:effectLst/>
+                <a:latin typeface="+mn-lt"/>
+                <a:ea typeface="+mn-ea"/>
+                <a:cs typeface="+mn-cs"/>
+              </a:rPr>
+              <a:t>6.</a:t>
+            </a:r>
+            <a:r>
+              <a:rPr lang="zh-CN" altLang="en-US" sz="1200" b="1" i="0" kern="1200" dirty="0">
+                <a:solidFill>
+                  <a:schemeClr val="tx1"/>
+                </a:solidFill>
+                <a:effectLst/>
+                <a:latin typeface="+mn-lt"/>
+                <a:ea typeface="+mn-ea"/>
+                <a:cs typeface="+mn-cs"/>
+              </a:rPr>
+              <a:t>进程</a:t>
+            </a:r>
+            <a:endParaRPr lang="zh-CN" altLang="en-US" sz="1200" b="0" i="0" kern="1200" dirty="0">
+              <a:solidFill>
+                <a:schemeClr val="tx1"/>
+              </a:solidFill>
+              <a:effectLst/>
+              <a:latin typeface="+mn-lt"/>
+              <a:ea typeface="+mn-ea"/>
+              <a:cs typeface="+mn-cs"/>
+            </a:endParaRPr>
+          </a:p>
+          <a:p>
+            <a:r>
+              <a:rPr lang="zh-CN" altLang="en-US" sz="1200" b="0" i="0" kern="1200" dirty="0">
+                <a:solidFill>
+                  <a:schemeClr val="tx1"/>
+                </a:solidFill>
+                <a:effectLst/>
+                <a:latin typeface="+mn-lt"/>
+                <a:ea typeface="+mn-ea"/>
+                <a:cs typeface="+mn-cs"/>
+              </a:rPr>
+              <a:t>应用程序进程应该是无状态的，这意味着再次重启后还可以计算出原先的状态。</a:t>
+            </a:r>
+          </a:p>
+          <a:p>
+            <a:endParaRPr lang="zh-CN" altLang="en-US" sz="1200" b="0" i="0" kern="1200" dirty="0">
+              <a:solidFill>
+                <a:schemeClr val="tx1"/>
+              </a:solidFill>
+              <a:effectLst/>
+              <a:latin typeface="+mn-lt"/>
+              <a:ea typeface="+mn-ea"/>
+              <a:cs typeface="+mn-cs"/>
+            </a:endParaRPr>
+          </a:p>
+          <a:p>
             <a:endParaRPr kumimoji="1" lang="zh-CN" altLang="en-US" dirty="0"/>
           </a:p>
         </p:txBody>
@@ -2709,7 +3241,661 @@
           <a:bodyPr/>
           <a:lstStyle/>
           <a:p>
-            <a:endParaRPr kumimoji="1" lang="zh-CN" altLang="en-US"/>
+            <a:r>
+              <a:rPr lang="en-US" altLang="zh-CN" sz="1200" b="1" i="0" kern="1200" dirty="0">
+                <a:solidFill>
+                  <a:schemeClr val="tx1"/>
+                </a:solidFill>
+                <a:effectLst/>
+                <a:latin typeface="+mn-lt"/>
+                <a:ea typeface="+mn-ea"/>
+                <a:cs typeface="+mn-cs"/>
+              </a:rPr>
+              <a:t>7.</a:t>
+            </a:r>
+            <a:r>
+              <a:rPr lang="zh-CN" altLang="en-US" sz="1200" b="1" i="0" kern="1200" dirty="0">
+                <a:solidFill>
+                  <a:schemeClr val="tx1"/>
+                </a:solidFill>
+                <a:effectLst/>
+                <a:latin typeface="+mn-lt"/>
+                <a:ea typeface="+mn-ea"/>
+                <a:cs typeface="+mn-cs"/>
+              </a:rPr>
+              <a:t>端口绑定</a:t>
+            </a:r>
+            <a:endParaRPr lang="zh-CN" altLang="en-US" sz="1200" b="0" i="0" kern="1200" dirty="0">
+              <a:solidFill>
+                <a:schemeClr val="tx1"/>
+              </a:solidFill>
+              <a:effectLst/>
+              <a:latin typeface="+mn-lt"/>
+              <a:ea typeface="+mn-ea"/>
+              <a:cs typeface="+mn-cs"/>
+            </a:endParaRPr>
+          </a:p>
+          <a:p>
+            <a:r>
+              <a:rPr lang="zh-CN" altLang="en-US" sz="1200" b="0" i="0" kern="1200" dirty="0">
+                <a:solidFill>
+                  <a:schemeClr val="tx1"/>
+                </a:solidFill>
+                <a:effectLst/>
+                <a:latin typeface="+mn-lt"/>
+                <a:ea typeface="+mn-ea"/>
+                <a:cs typeface="+mn-cs"/>
+              </a:rPr>
+              <a:t>在</a:t>
+            </a:r>
+            <a:r>
+              <a:rPr lang="en" altLang="zh-CN" sz="1200" b="0" i="0" kern="1200" dirty="0">
+                <a:solidFill>
+                  <a:schemeClr val="tx1"/>
+                </a:solidFill>
+                <a:effectLst/>
+                <a:latin typeface="+mn-lt"/>
+                <a:ea typeface="+mn-ea"/>
+                <a:cs typeface="+mn-cs"/>
+              </a:rPr>
+              <a:t>Kubernetes</a:t>
+            </a:r>
+            <a:r>
+              <a:rPr lang="zh-CN" altLang="en-US" sz="1200" b="0" i="0" kern="1200" dirty="0">
+                <a:solidFill>
+                  <a:schemeClr val="tx1"/>
+                </a:solidFill>
+                <a:effectLst/>
+                <a:latin typeface="+mn-lt"/>
+                <a:ea typeface="+mn-ea"/>
+                <a:cs typeface="+mn-cs"/>
+              </a:rPr>
+              <a:t>中每个</a:t>
+            </a:r>
+            <a:r>
+              <a:rPr lang="en" altLang="zh-CN" sz="1200" b="0" i="0" kern="1200" dirty="0">
+                <a:solidFill>
+                  <a:schemeClr val="tx1"/>
+                </a:solidFill>
+                <a:effectLst/>
+                <a:latin typeface="+mn-lt"/>
+                <a:ea typeface="+mn-ea"/>
+                <a:cs typeface="+mn-cs"/>
+              </a:rPr>
+              <a:t>Pod</a:t>
+            </a:r>
+            <a:r>
+              <a:rPr lang="zh-CN" altLang="en-US" sz="1200" b="0" i="0" kern="1200" dirty="0">
+                <a:solidFill>
+                  <a:schemeClr val="tx1"/>
+                </a:solidFill>
+                <a:effectLst/>
+                <a:latin typeface="+mn-lt"/>
+                <a:ea typeface="+mn-ea"/>
+                <a:cs typeface="+mn-cs"/>
+              </a:rPr>
+              <a:t>都有独立的</a:t>
+            </a:r>
+            <a:r>
+              <a:rPr lang="en" altLang="zh-CN" sz="1200" b="0" i="0" kern="1200" dirty="0">
+                <a:solidFill>
+                  <a:schemeClr val="tx1"/>
+                </a:solidFill>
+                <a:effectLst/>
+                <a:latin typeface="+mn-lt"/>
+                <a:ea typeface="+mn-ea"/>
+                <a:cs typeface="+mn-cs"/>
+              </a:rPr>
+              <a:t>IP</a:t>
+            </a:r>
+            <a:r>
+              <a:rPr lang="zh-CN" altLang="en" sz="1200" b="0" i="0" kern="1200" dirty="0">
+                <a:solidFill>
+                  <a:schemeClr val="tx1"/>
+                </a:solidFill>
+                <a:effectLst/>
+                <a:latin typeface="+mn-lt"/>
+                <a:ea typeface="+mn-ea"/>
+                <a:cs typeface="+mn-cs"/>
+              </a:rPr>
+              <a:t>，</a:t>
+            </a:r>
+            <a:r>
+              <a:rPr lang="zh-CN" altLang="en-US" sz="1200" b="0" i="0" kern="1200" dirty="0">
+                <a:solidFill>
+                  <a:schemeClr val="tx1"/>
+                </a:solidFill>
+                <a:effectLst/>
+                <a:latin typeface="+mn-lt"/>
+                <a:ea typeface="+mn-ea"/>
+                <a:cs typeface="+mn-cs"/>
+              </a:rPr>
+              <a:t>每个运行在</a:t>
+            </a:r>
+            <a:r>
+              <a:rPr lang="en" altLang="zh-CN" sz="1200" b="0" i="0" kern="1200" dirty="0">
+                <a:solidFill>
+                  <a:schemeClr val="tx1"/>
+                </a:solidFill>
+                <a:effectLst/>
+                <a:latin typeface="+mn-lt"/>
+                <a:ea typeface="+mn-ea"/>
+                <a:cs typeface="+mn-cs"/>
+              </a:rPr>
+              <a:t>Pod</a:t>
+            </a:r>
+            <a:r>
+              <a:rPr lang="zh-CN" altLang="en-US" sz="1200" b="0" i="0" kern="1200" dirty="0">
+                <a:solidFill>
+                  <a:schemeClr val="tx1"/>
+                </a:solidFill>
+                <a:effectLst/>
+                <a:latin typeface="+mn-lt"/>
+                <a:ea typeface="+mn-ea"/>
+                <a:cs typeface="+mn-cs"/>
+              </a:rPr>
+              <a:t>中的应用不必关心端口是否重复，只需在</a:t>
+            </a:r>
+            <a:r>
+              <a:rPr lang="en" altLang="zh-CN" sz="1200" b="0" i="0" kern="1200" dirty="0">
+                <a:solidFill>
+                  <a:schemeClr val="tx1"/>
+                </a:solidFill>
+                <a:effectLst/>
+                <a:latin typeface="+mn-lt"/>
+                <a:ea typeface="+mn-ea"/>
+                <a:cs typeface="+mn-cs"/>
+              </a:rPr>
+              <a:t>service</a:t>
+            </a:r>
+            <a:r>
+              <a:rPr lang="zh-CN" altLang="en-US" sz="1200" b="0" i="0" kern="1200" dirty="0">
+                <a:solidFill>
+                  <a:schemeClr val="tx1"/>
+                </a:solidFill>
+                <a:effectLst/>
+                <a:latin typeface="+mn-lt"/>
+                <a:ea typeface="+mn-ea"/>
+                <a:cs typeface="+mn-cs"/>
+              </a:rPr>
+              <a:t>中指定端口，集群内的</a:t>
+            </a:r>
+            <a:r>
+              <a:rPr lang="en" altLang="zh-CN" sz="1200" b="0" i="0" kern="1200" dirty="0">
+                <a:solidFill>
+                  <a:schemeClr val="tx1"/>
+                </a:solidFill>
+                <a:effectLst/>
+                <a:latin typeface="+mn-lt"/>
+                <a:ea typeface="+mn-ea"/>
+                <a:cs typeface="+mn-cs"/>
+              </a:rPr>
+              <a:t>service</a:t>
+            </a:r>
+            <a:r>
+              <a:rPr lang="zh-CN" altLang="en-US" sz="1200" b="0" i="0" kern="1200" dirty="0">
+                <a:solidFill>
+                  <a:schemeClr val="tx1"/>
+                </a:solidFill>
+                <a:effectLst/>
+                <a:latin typeface="+mn-lt"/>
+                <a:ea typeface="+mn-ea"/>
+                <a:cs typeface="+mn-cs"/>
+              </a:rPr>
+              <a:t>通过配置互相发现。</a:t>
+            </a:r>
+          </a:p>
+          <a:p>
+            <a:r>
+              <a:rPr lang="en-US" altLang="zh-CN" sz="1200" b="1" i="0" kern="1200" dirty="0">
+                <a:solidFill>
+                  <a:schemeClr val="tx1"/>
+                </a:solidFill>
+                <a:effectLst/>
+                <a:latin typeface="+mn-lt"/>
+                <a:ea typeface="+mn-ea"/>
+                <a:cs typeface="+mn-cs"/>
+              </a:rPr>
+              <a:t>8.</a:t>
+            </a:r>
+            <a:r>
+              <a:rPr lang="zh-CN" altLang="en-US" sz="1200" b="1" i="0" kern="1200" dirty="0">
+                <a:solidFill>
+                  <a:schemeClr val="tx1"/>
+                </a:solidFill>
+                <a:effectLst/>
+                <a:latin typeface="+mn-lt"/>
+                <a:ea typeface="+mn-ea"/>
+                <a:cs typeface="+mn-cs"/>
+              </a:rPr>
+              <a:t>并发</a:t>
+            </a:r>
+            <a:endParaRPr lang="zh-CN" altLang="en-US" sz="1200" b="0" i="0" kern="1200" dirty="0">
+              <a:solidFill>
+                <a:schemeClr val="tx1"/>
+              </a:solidFill>
+              <a:effectLst/>
+              <a:latin typeface="+mn-lt"/>
+              <a:ea typeface="+mn-ea"/>
+              <a:cs typeface="+mn-cs"/>
+            </a:endParaRPr>
+          </a:p>
+          <a:p>
+            <a:r>
+              <a:rPr lang="zh-CN" altLang="en-US" sz="1200" b="0" i="0" kern="1200" dirty="0">
+                <a:solidFill>
+                  <a:schemeClr val="tx1"/>
+                </a:solidFill>
+                <a:effectLst/>
+                <a:latin typeface="+mn-lt"/>
+                <a:ea typeface="+mn-ea"/>
+                <a:cs typeface="+mn-cs"/>
+              </a:rPr>
+              <a:t>每个容器都是一个进程，通过增加容器的副本数实现并发。</a:t>
+            </a:r>
+          </a:p>
+          <a:p>
+            <a:r>
+              <a:rPr lang="en-US" altLang="zh-CN" sz="1200" b="1" i="0" kern="1200" dirty="0">
+                <a:solidFill>
+                  <a:schemeClr val="tx1"/>
+                </a:solidFill>
+                <a:effectLst/>
+                <a:latin typeface="+mn-lt"/>
+                <a:ea typeface="+mn-ea"/>
+                <a:cs typeface="+mn-cs"/>
+              </a:rPr>
+              <a:t>9.</a:t>
+            </a:r>
+            <a:r>
+              <a:rPr lang="zh-CN" altLang="en-US" sz="1200" b="1" i="0" kern="1200" dirty="0">
+                <a:solidFill>
+                  <a:schemeClr val="tx1"/>
+                </a:solidFill>
+                <a:effectLst/>
+                <a:latin typeface="+mn-lt"/>
+                <a:ea typeface="+mn-ea"/>
+                <a:cs typeface="+mn-cs"/>
+              </a:rPr>
+              <a:t>易处理</a:t>
+            </a:r>
+            <a:endParaRPr lang="zh-CN" altLang="en-US" sz="1200" b="0" i="0" kern="1200" dirty="0">
+              <a:solidFill>
+                <a:schemeClr val="tx1"/>
+              </a:solidFill>
+              <a:effectLst/>
+              <a:latin typeface="+mn-lt"/>
+              <a:ea typeface="+mn-ea"/>
+              <a:cs typeface="+mn-cs"/>
+            </a:endParaRPr>
+          </a:p>
+          <a:p>
+            <a:r>
+              <a:rPr lang="zh-CN" altLang="en-US" sz="1200" b="0" i="0" kern="1200" dirty="0">
+                <a:solidFill>
+                  <a:schemeClr val="tx1"/>
+                </a:solidFill>
+                <a:effectLst/>
+                <a:latin typeface="+mn-lt"/>
+                <a:ea typeface="+mn-ea"/>
+                <a:cs typeface="+mn-cs"/>
+              </a:rPr>
+              <a:t>快速启动和优雅终止可最大化健壮性，</a:t>
+            </a:r>
+            <a:r>
+              <a:rPr lang="en" altLang="zh-CN" sz="1200" b="0" i="0" kern="1200" dirty="0" err="1">
+                <a:solidFill>
+                  <a:schemeClr val="tx1"/>
+                </a:solidFill>
+                <a:effectLst/>
+                <a:latin typeface="+mn-lt"/>
+                <a:ea typeface="+mn-ea"/>
+                <a:cs typeface="+mn-cs"/>
+              </a:rPr>
+              <a:t>Kuberentes</a:t>
+            </a:r>
+            <a:r>
+              <a:rPr lang="zh-CN" altLang="en-US" sz="1200" b="0" i="0" kern="1200" dirty="0">
+                <a:solidFill>
+                  <a:schemeClr val="tx1"/>
+                </a:solidFill>
+                <a:effectLst/>
+                <a:latin typeface="+mn-lt"/>
+                <a:ea typeface="+mn-ea"/>
+                <a:cs typeface="+mn-cs"/>
+              </a:rPr>
+              <a:t>优秀的</a:t>
+            </a:r>
+            <a:r>
+              <a:rPr lang="en" altLang="zh-CN" sz="1200" b="0" i="0" u="none" strike="noStrike" kern="1200" dirty="0">
+                <a:solidFill>
+                  <a:schemeClr val="tx1"/>
+                </a:solidFill>
+                <a:effectLst/>
+                <a:latin typeface="+mn-lt"/>
+                <a:ea typeface="+mn-ea"/>
+                <a:cs typeface="+mn-cs"/>
+                <a:hlinkClick r:id="rId3"/>
+              </a:rPr>
+              <a:t>Pod</a:t>
+            </a:r>
+            <a:r>
+              <a:rPr lang="zh-CN" altLang="en-US" sz="1200" b="0" i="0" u="none" strike="noStrike" kern="1200" dirty="0">
+                <a:solidFill>
+                  <a:schemeClr val="tx1"/>
+                </a:solidFill>
+                <a:effectLst/>
+                <a:latin typeface="+mn-lt"/>
+                <a:ea typeface="+mn-ea"/>
+                <a:cs typeface="+mn-cs"/>
+                <a:hlinkClick r:id="rId3"/>
+              </a:rPr>
+              <a:t>生存周期控制</a:t>
+            </a:r>
+            <a:r>
+              <a:rPr lang="zh-CN" altLang="en-US" sz="1200" b="0" i="0" kern="1200" dirty="0">
+                <a:solidFill>
+                  <a:schemeClr val="tx1"/>
+                </a:solidFill>
+                <a:effectLst/>
+                <a:latin typeface="+mn-lt"/>
+                <a:ea typeface="+mn-ea"/>
+                <a:cs typeface="+mn-cs"/>
+              </a:rPr>
+              <a:t>。</a:t>
+            </a:r>
+          </a:p>
+          <a:p>
+            <a:r>
+              <a:rPr lang="en-US" altLang="zh-CN" sz="1200" b="1" i="0" kern="1200" dirty="0">
+                <a:solidFill>
+                  <a:schemeClr val="tx1"/>
+                </a:solidFill>
+                <a:effectLst/>
+                <a:latin typeface="+mn-lt"/>
+                <a:ea typeface="+mn-ea"/>
+                <a:cs typeface="+mn-cs"/>
+              </a:rPr>
+              <a:t>10.</a:t>
+            </a:r>
+            <a:r>
+              <a:rPr lang="zh-CN" altLang="en-US" sz="1200" b="1" i="0" kern="1200" dirty="0">
+                <a:solidFill>
+                  <a:schemeClr val="tx1"/>
+                </a:solidFill>
+                <a:effectLst/>
+                <a:latin typeface="+mn-lt"/>
+                <a:ea typeface="+mn-ea"/>
+                <a:cs typeface="+mn-cs"/>
+              </a:rPr>
+              <a:t>开发环境与线上环境等价</a:t>
+            </a:r>
+            <a:endParaRPr lang="zh-CN" altLang="en-US" sz="1200" b="0" i="0" kern="1200" dirty="0">
+              <a:solidFill>
+                <a:schemeClr val="tx1"/>
+              </a:solidFill>
+              <a:effectLst/>
+              <a:latin typeface="+mn-lt"/>
+              <a:ea typeface="+mn-ea"/>
+              <a:cs typeface="+mn-cs"/>
+            </a:endParaRPr>
+          </a:p>
+          <a:p>
+            <a:r>
+              <a:rPr lang="zh-CN" altLang="en-US" sz="1200" b="0" i="0" kern="1200" dirty="0">
+                <a:solidFill>
+                  <a:schemeClr val="tx1"/>
+                </a:solidFill>
+                <a:effectLst/>
+                <a:latin typeface="+mn-lt"/>
+                <a:ea typeface="+mn-ea"/>
+                <a:cs typeface="+mn-cs"/>
+              </a:rPr>
+              <a:t>在</a:t>
+            </a:r>
+            <a:r>
+              <a:rPr lang="en" altLang="zh-CN" sz="1200" b="0" i="0" kern="1200" dirty="0">
+                <a:solidFill>
+                  <a:schemeClr val="tx1"/>
+                </a:solidFill>
+                <a:effectLst/>
+                <a:latin typeface="+mn-lt"/>
+                <a:ea typeface="+mn-ea"/>
+                <a:cs typeface="+mn-cs"/>
+              </a:rPr>
+              <a:t>Kubernetes</a:t>
+            </a:r>
+            <a:r>
+              <a:rPr lang="zh-CN" altLang="en-US" sz="1200" b="0" i="0" kern="1200" dirty="0">
+                <a:solidFill>
+                  <a:schemeClr val="tx1"/>
+                </a:solidFill>
+                <a:effectLst/>
+                <a:latin typeface="+mn-lt"/>
+                <a:ea typeface="+mn-ea"/>
+                <a:cs typeface="+mn-cs"/>
+              </a:rPr>
+              <a:t>中可以创建多个</a:t>
+            </a:r>
+            <a:r>
+              <a:rPr lang="en" altLang="zh-CN" sz="1200" b="0" i="0" kern="1200" dirty="0">
+                <a:solidFill>
+                  <a:schemeClr val="tx1"/>
+                </a:solidFill>
+                <a:effectLst/>
+                <a:latin typeface="+mn-lt"/>
+                <a:ea typeface="+mn-ea"/>
+                <a:cs typeface="+mn-cs"/>
+              </a:rPr>
+              <a:t>namespace</a:t>
+            </a:r>
+            <a:r>
+              <a:rPr lang="zh-CN" altLang="en" sz="1200" b="0" i="0" kern="1200" dirty="0">
+                <a:solidFill>
+                  <a:schemeClr val="tx1"/>
+                </a:solidFill>
+                <a:effectLst/>
+                <a:latin typeface="+mn-lt"/>
+                <a:ea typeface="+mn-ea"/>
+                <a:cs typeface="+mn-cs"/>
+              </a:rPr>
+              <a:t>，</a:t>
+            </a:r>
+            <a:r>
+              <a:rPr lang="zh-CN" altLang="en-US" sz="1200" b="0" i="0" kern="1200" dirty="0">
+                <a:solidFill>
+                  <a:schemeClr val="tx1"/>
+                </a:solidFill>
+                <a:effectLst/>
+                <a:latin typeface="+mn-lt"/>
+                <a:ea typeface="+mn-ea"/>
+                <a:cs typeface="+mn-cs"/>
+              </a:rPr>
+              <a:t>使用相同的镜像可以很方便的复制一套环境出来，镜像的使用可以很方便的部署一个后端服务。</a:t>
+            </a:r>
+          </a:p>
+          <a:p>
+            <a:r>
+              <a:rPr lang="en-US" altLang="zh-CN" sz="1200" b="1" i="0" kern="1200" dirty="0">
+                <a:solidFill>
+                  <a:schemeClr val="tx1"/>
+                </a:solidFill>
+                <a:effectLst/>
+                <a:latin typeface="+mn-lt"/>
+                <a:ea typeface="+mn-ea"/>
+                <a:cs typeface="+mn-cs"/>
+              </a:rPr>
+              <a:t>11.</a:t>
+            </a:r>
+            <a:r>
+              <a:rPr lang="zh-CN" altLang="en-US" sz="1200" b="1" i="0" kern="1200" dirty="0">
+                <a:solidFill>
+                  <a:schemeClr val="tx1"/>
+                </a:solidFill>
+                <a:effectLst/>
+                <a:latin typeface="+mn-lt"/>
+                <a:ea typeface="+mn-ea"/>
+                <a:cs typeface="+mn-cs"/>
+              </a:rPr>
+              <a:t>日志</a:t>
+            </a:r>
+            <a:endParaRPr lang="zh-CN" altLang="en-US" sz="1200" b="0" i="0" kern="1200" dirty="0">
+              <a:solidFill>
+                <a:schemeClr val="tx1"/>
+              </a:solidFill>
+              <a:effectLst/>
+              <a:latin typeface="+mn-lt"/>
+              <a:ea typeface="+mn-ea"/>
+              <a:cs typeface="+mn-cs"/>
+            </a:endParaRPr>
+          </a:p>
+          <a:p>
+            <a:r>
+              <a:rPr lang="zh-CN" altLang="en-US" sz="1200" b="0" i="0" kern="1200" dirty="0">
+                <a:solidFill>
+                  <a:schemeClr val="tx1"/>
+                </a:solidFill>
+                <a:effectLst/>
+                <a:latin typeface="+mn-lt"/>
+                <a:ea typeface="+mn-ea"/>
+                <a:cs typeface="+mn-cs"/>
+              </a:rPr>
+              <a:t>把日志当作事件流，使用</a:t>
+            </a:r>
+            <a:r>
+              <a:rPr lang="en" altLang="zh-CN" sz="1200" b="0" i="0" kern="1200" dirty="0" err="1">
+                <a:solidFill>
+                  <a:schemeClr val="tx1"/>
+                </a:solidFill>
+                <a:effectLst/>
+                <a:latin typeface="+mn-lt"/>
+                <a:ea typeface="+mn-ea"/>
+                <a:cs typeface="+mn-cs"/>
+              </a:rPr>
+              <a:t>stdout</a:t>
+            </a:r>
+            <a:r>
+              <a:rPr lang="zh-CN" altLang="en-US" sz="1200" b="0" i="0" kern="1200" dirty="0">
+                <a:solidFill>
+                  <a:schemeClr val="tx1"/>
+                </a:solidFill>
+                <a:effectLst/>
+                <a:latin typeface="+mn-lt"/>
+                <a:ea typeface="+mn-ea"/>
+                <a:cs typeface="+mn-cs"/>
+              </a:rPr>
+              <a:t>输出并收集汇聚起来，例如到</a:t>
+            </a:r>
+            <a:r>
+              <a:rPr lang="en" altLang="zh-CN" sz="1200" b="0" i="0" kern="1200" dirty="0">
+                <a:solidFill>
+                  <a:schemeClr val="tx1"/>
+                </a:solidFill>
+                <a:effectLst/>
+                <a:latin typeface="+mn-lt"/>
+                <a:ea typeface="+mn-ea"/>
+                <a:cs typeface="+mn-cs"/>
+              </a:rPr>
+              <a:t>ES</a:t>
+            </a:r>
+            <a:r>
+              <a:rPr lang="zh-CN" altLang="en-US" sz="1200" b="0" i="0" kern="1200" dirty="0">
+                <a:solidFill>
+                  <a:schemeClr val="tx1"/>
+                </a:solidFill>
+                <a:effectLst/>
+                <a:latin typeface="+mn-lt"/>
+                <a:ea typeface="+mn-ea"/>
+                <a:cs typeface="+mn-cs"/>
+              </a:rPr>
+              <a:t>中统一查看。</a:t>
+            </a:r>
+          </a:p>
+          <a:p>
+            <a:r>
+              <a:rPr lang="en-US" altLang="zh-CN" sz="1200" b="1" i="0" kern="1200" dirty="0">
+                <a:solidFill>
+                  <a:schemeClr val="tx1"/>
+                </a:solidFill>
+                <a:effectLst/>
+                <a:latin typeface="+mn-lt"/>
+                <a:ea typeface="+mn-ea"/>
+                <a:cs typeface="+mn-cs"/>
+              </a:rPr>
+              <a:t>12.</a:t>
+            </a:r>
+            <a:r>
+              <a:rPr lang="zh-CN" altLang="en-US" sz="1200" b="1" i="0" kern="1200" dirty="0">
+                <a:solidFill>
+                  <a:schemeClr val="tx1"/>
+                </a:solidFill>
+                <a:effectLst/>
+                <a:latin typeface="+mn-lt"/>
+                <a:ea typeface="+mn-ea"/>
+                <a:cs typeface="+mn-cs"/>
+              </a:rPr>
+              <a:t>管理进程</a:t>
+            </a:r>
+            <a:endParaRPr lang="zh-CN" altLang="en-US" sz="1200" b="0" i="0" kern="1200" dirty="0">
+              <a:solidFill>
+                <a:schemeClr val="tx1"/>
+              </a:solidFill>
+              <a:effectLst/>
+              <a:latin typeface="+mn-lt"/>
+              <a:ea typeface="+mn-ea"/>
+              <a:cs typeface="+mn-cs"/>
+            </a:endParaRPr>
+          </a:p>
+          <a:p>
+            <a:r>
+              <a:rPr lang="zh-CN" altLang="en-US" sz="1200" b="0" i="0" kern="1200" dirty="0">
+                <a:solidFill>
+                  <a:schemeClr val="tx1"/>
+                </a:solidFill>
+                <a:effectLst/>
+                <a:latin typeface="+mn-lt"/>
+                <a:ea typeface="+mn-ea"/>
+                <a:cs typeface="+mn-cs"/>
+              </a:rPr>
+              <a:t>后台管理任务当作一次性进程运行，</a:t>
+            </a:r>
+            <a:r>
+              <a:rPr lang="en" altLang="zh-CN" sz="1200" b="0" i="0" kern="1200" dirty="0" err="1">
+                <a:solidFill>
+                  <a:schemeClr val="tx1"/>
+                </a:solidFill>
+                <a:effectLst/>
+                <a:latin typeface="+mn-lt"/>
+                <a:ea typeface="+mn-ea"/>
+                <a:cs typeface="+mn-cs"/>
+              </a:rPr>
+              <a:t>kubectl</a:t>
+            </a:r>
+            <a:r>
+              <a:rPr lang="en" altLang="zh-CN" sz="1200" b="0" i="0" kern="1200" dirty="0">
+                <a:solidFill>
+                  <a:schemeClr val="tx1"/>
+                </a:solidFill>
+                <a:effectLst/>
+                <a:latin typeface="+mn-lt"/>
+                <a:ea typeface="+mn-ea"/>
+                <a:cs typeface="+mn-cs"/>
+              </a:rPr>
+              <a:t> exec</a:t>
+            </a:r>
+            <a:r>
+              <a:rPr lang="zh-CN" altLang="en-US" sz="1200" b="0" i="0" kern="1200" dirty="0">
+                <a:solidFill>
+                  <a:schemeClr val="tx1"/>
+                </a:solidFill>
+                <a:effectLst/>
+                <a:latin typeface="+mn-lt"/>
+                <a:ea typeface="+mn-ea"/>
+                <a:cs typeface="+mn-cs"/>
+              </a:rPr>
+              <a:t>进入容器内部操作。</a:t>
+            </a:r>
+            <a:endParaRPr kumimoji="1" lang="zh-CN" altLang="en-US" dirty="0"/>
           </a:p>
         </p:txBody>
       </p:sp>
@@ -2895,49 +4081,49 @@
               <a:defRPr/>
             </a:pPr>
             <a:r>
-              <a:rPr lang="zh-CN" altLang="en-US" dirty="0" smtClean="0">
+              <a:rPr lang="zh-CN" altLang="en-US" dirty="0">
                 <a:effectLst/>
               </a:rPr>
               <a:t>微服务之间，微服务与云平台之间，都基于版本化的</a:t>
             </a:r>
             <a:r>
-              <a:rPr lang="en-US" altLang="zh-CN" b="1" dirty="0" smtClean="0">
+              <a:rPr lang="en-US" altLang="zh-CN" b="1" dirty="0">
                 <a:effectLst/>
               </a:rPr>
               <a:t>http rest </a:t>
             </a:r>
             <a:r>
-              <a:rPr lang="en-US" altLang="zh-CN" b="1" dirty="0" err="1" smtClean="0">
+              <a:rPr lang="en-US" altLang="zh-CN" b="1" dirty="0" err="1">
                 <a:effectLst/>
               </a:rPr>
               <a:t>api</a:t>
             </a:r>
             <a:r>
-              <a:rPr lang="zh-CN" altLang="en-US" dirty="0" smtClean="0">
+              <a:rPr lang="zh-CN" altLang="en-US" dirty="0">
                 <a:effectLst/>
               </a:rPr>
               <a:t>协作</a:t>
             </a:r>
             <a:r>
-              <a:rPr lang="en-US" altLang="zh-CN" dirty="0" smtClean="0">
+              <a:rPr lang="en-US" altLang="zh-CN" dirty="0">
                 <a:effectLst/>
               </a:rPr>
               <a:t>-&gt;</a:t>
             </a:r>
             <a:r>
-              <a:rPr lang="zh-CN" altLang="en-US" dirty="0" smtClean="0">
+              <a:rPr lang="zh-CN" altLang="en-US" dirty="0">
                 <a:effectLst/>
               </a:rPr>
               <a:t>只要不破坏</a:t>
             </a:r>
             <a:r>
-              <a:rPr lang="en-US" altLang="zh-CN" dirty="0" err="1" smtClean="0">
+              <a:rPr lang="en-US" altLang="zh-CN" dirty="0" err="1">
                 <a:effectLst/>
               </a:rPr>
               <a:t>api</a:t>
             </a:r>
             <a:r>
-              <a:rPr lang="zh-CN" altLang="en-US" dirty="0" smtClean="0">
+              <a:rPr lang="zh-CN" altLang="en-US" dirty="0">
                 <a:effectLst/>
               </a:rPr>
               <a:t>协议，部署新功能不需要同步其他团队</a:t>
@@ -3079,7 +4265,7 @@
           <a:effectLst/>
           <a:extLst>
             <a:ext uri="{91240B29-F687-4f45-9708-019B960494DF}">
-              <a14:hiddenLine xmlns:a14="http://schemas.microsoft.com/office/drawing/2010/main" xmlns="" w="9525">
+              <a14:hiddenLine xmlns="" xmlns:a14="http://schemas.microsoft.com/office/drawing/2010/main" w="9525">
                 <a:solidFill>
                   <a:srgbClr val="000000"/>
                 </a:solidFill>
@@ -3130,7 +4316,7 @@
           </a:lstStyle>
           <a:p>
             <a:r>
-              <a:rPr lang="zh-CN" altLang="en-US" smtClean="0"/>
+              <a:rPr lang="zh-CN" altLang="en-US"/>
               <a:t>单击此处编辑母版标题样式</a:t>
             </a:r>
             <a:endParaRPr lang="en-US" dirty="0"/>
@@ -3247,7 +4433,7 @@
           </a:lstStyle>
           <a:p>
             <a:r>
-              <a:rPr lang="zh-CN" altLang="en-US" smtClean="0"/>
+              <a:rPr lang="zh-CN" altLang="en-US"/>
               <a:t>单击此处编辑母版副标题样式</a:t>
             </a:r>
             <a:endParaRPr lang="en-US" dirty="0"/>
@@ -3272,7 +4458,7 @@
             <a:fld id="{08B9EBBA-996F-894A-B54A-D6246ED52CEA}" type="datetimeFigureOut">
               <a:rPr lang="en-US" dirty="0"/>
               <a:pPr/>
-              <a:t>7/4/19</a:t>
+              <a:t>7/25/19</a:t>
             </a:fld>
             <a:endParaRPr lang="en-US" dirty="0"/>
           </a:p>
@@ -3373,7 +4559,7 @@
           </a:lstStyle>
           <a:p>
             <a:r>
-              <a:rPr lang="zh-CN" altLang="en-US" smtClean="0"/>
+              <a:rPr lang="zh-CN" altLang="en-US"/>
               <a:t>单击此处编辑母版标题样式</a:t>
             </a:r>
             <a:endParaRPr lang="en-US" dirty="0"/>
@@ -3495,7 +4681,7 @@
           </a:lstStyle>
           <a:p>
             <a:r>
-              <a:rPr lang="zh-CN" altLang="en-US" smtClean="0"/>
+              <a:rPr lang="zh-CN" altLang="en-US"/>
               <a:t>将图片拖动到占位符，或单击添加图标</a:t>
             </a:r>
             <a:endParaRPr lang="en-US" dirty="0"/>
@@ -3563,7 +4749,7 @@
           <a:p>
             <a:pPr lvl="0"/>
             <a:r>
-              <a:rPr lang="zh-CN" altLang="en-US" smtClean="0"/>
+              <a:rPr lang="zh-CN" altLang="en-US"/>
               <a:t>单击此处编辑母版文本样式</a:t>
             </a:r>
           </a:p>
@@ -3587,7 +4773,7 @@
             <a:fld id="{18C79C5D-2A6F-F04D-97DA-BEF2467B64E4}" type="datetimeFigureOut">
               <a:rPr lang="en-US" dirty="0"/>
               <a:pPr/>
-              <a:t>7/4/19</a:t>
+              <a:t>7/25/19</a:t>
             </a:fld>
             <a:endParaRPr lang="en-US" dirty="0"/>
           </a:p>
@@ -3894,7 +5080,7 @@
           </a:lstStyle>
           <a:p>
             <a:r>
-              <a:rPr lang="zh-CN" altLang="en-US" smtClean="0"/>
+              <a:rPr lang="zh-CN" altLang="en-US"/>
               <a:t>单击此处编辑母版标题样式</a:t>
             </a:r>
             <a:endParaRPr lang="en-US" dirty="0"/>
@@ -4014,7 +5200,7 @@
           <a:p>
             <a:pPr lvl="0"/>
             <a:r>
-              <a:rPr lang="zh-CN" altLang="en-US" smtClean="0"/>
+              <a:rPr lang="zh-CN" altLang="en-US"/>
               <a:t>单击此处编辑母版文本样式</a:t>
             </a:r>
           </a:p>
@@ -4048,7 +5234,7 @@
           <a:p>
             <a:pPr lvl="0"/>
             <a:r>
-              <a:rPr lang="zh-CN" altLang="en-US" smtClean="0"/>
+              <a:rPr lang="zh-CN" altLang="en-US"/>
               <a:t>单击此处编辑母版文本样式</a:t>
             </a:r>
           </a:p>
@@ -4072,7 +5258,7 @@
             <a:fld id="{8DFA1846-DA80-1C48-A609-854EA85C59AD}" type="datetimeFigureOut">
               <a:rPr lang="en-US" dirty="0"/>
               <a:pPr/>
-              <a:t>7/4/19</a:t>
+              <a:t>7/25/19</a:t>
             </a:fld>
             <a:endParaRPr lang="en-US" dirty="0"/>
           </a:p>
@@ -4379,7 +5565,7 @@
           </a:lstStyle>
           <a:p>
             <a:r>
-              <a:rPr lang="zh-CN" altLang="en-US" smtClean="0"/>
+              <a:rPr lang="zh-CN" altLang="en-US"/>
               <a:t>单击此处编辑母版标题样式</a:t>
             </a:r>
             <a:endParaRPr lang="en-US" dirty="0"/>
@@ -4414,7 +5600,7 @@
           <a:p>
             <a:pPr lvl="0"/>
             <a:r>
-              <a:rPr lang="zh-CN" altLang="en-US" smtClean="0"/>
+              <a:rPr lang="zh-CN" altLang="en-US"/>
               <a:t>单击此处编辑母版文本样式</a:t>
             </a:r>
           </a:p>
@@ -4438,7 +5624,7 @@
             <a:fld id="{FBF54567-0DE4-3F47-BF90-CB84690072F9}" type="datetimeFigureOut">
               <a:rPr lang="en-US" dirty="0"/>
               <a:pPr/>
-              <a:t>7/4/19</a:t>
+              <a:t>7/25/19</a:t>
             </a:fld>
             <a:endParaRPr lang="en-US" dirty="0"/>
           </a:p>
@@ -4589,7 +5775,7 @@
           <a:ln/>
           <a:extLst>
             <a:ext uri="{91240B29-F687-4f45-9708-019B960494DF}">
-              <a14:hiddenLine xmlns:a14="http://schemas.microsoft.com/office/drawing/2010/main" xmlns="" w="9525">
+              <a14:hiddenLine xmlns="" xmlns:a14="http://schemas.microsoft.com/office/drawing/2010/main" w="9525">
                 <a:solidFill>
                   <a:srgbClr val="000000"/>
                 </a:solidFill>
@@ -4631,7 +5817,7 @@
           <a:lstStyle/>
           <a:p>
             <a:r>
-              <a:rPr lang="zh-CN" altLang="en-US" smtClean="0"/>
+              <a:rPr lang="zh-CN" altLang="en-US"/>
               <a:t>单击此处编辑母版标题样式</a:t>
             </a:r>
             <a:endParaRPr lang="en-US" dirty="0"/>
@@ -4655,35 +5841,35 @@
           <a:p>
             <a:pPr lvl="0"/>
             <a:r>
-              <a:rPr lang="zh-CN" altLang="en-US" smtClean="0"/>
+              <a:rPr lang="zh-CN" altLang="en-US"/>
               <a:t>单击此处编辑母版文本样式</a:t>
             </a:r>
           </a:p>
           <a:p>
             <a:pPr lvl="1"/>
             <a:r>
-              <a:rPr lang="zh-CN" altLang="en-US" smtClean="0"/>
+              <a:rPr lang="zh-CN" altLang="en-US"/>
               <a:t>二级</a:t>
             </a:r>
           </a:p>
           <a:p>
             <a:pPr lvl="2"/>
             <a:r>
-              <a:rPr lang="zh-CN" altLang="en-US" smtClean="0"/>
+              <a:rPr lang="zh-CN" altLang="en-US"/>
               <a:t>三级</a:t>
             </a:r>
           </a:p>
           <a:p>
             <a:pPr lvl="3"/>
             <a:r>
-              <a:rPr lang="zh-CN" altLang="en-US" smtClean="0"/>
+              <a:rPr lang="zh-CN" altLang="en-US"/>
               <a:t>四级</a:t>
             </a:r>
           </a:p>
           <a:p>
             <a:pPr lvl="4"/>
             <a:r>
-              <a:rPr lang="zh-CN" altLang="en-US" smtClean="0"/>
+              <a:rPr lang="zh-CN" altLang="en-US"/>
               <a:t>五级</a:t>
             </a:r>
             <a:endParaRPr lang="en-US" dirty="0"/>
@@ -4708,7 +5894,7 @@
             <a:fld id="{C6C52C72-DE31-F449-A4ED-4C594FD91407}" type="datetimeFigureOut">
               <a:rPr lang="en-US" dirty="0"/>
               <a:pPr/>
-              <a:t>7/4/19</a:t>
+              <a:t>7/25/19</a:t>
             </a:fld>
             <a:endParaRPr lang="en-US" dirty="0"/>
           </a:p>
@@ -4861,7 +6047,7 @@
           <a:ln/>
           <a:extLst>
             <a:ext uri="{91240B29-F687-4f45-9708-019B960494DF}">
-              <a14:hiddenLine xmlns:a14="http://schemas.microsoft.com/office/drawing/2010/main" xmlns="" w="9525">
+              <a14:hiddenLine xmlns="" xmlns:a14="http://schemas.microsoft.com/office/drawing/2010/main" w="9525">
                 <a:solidFill>
                   <a:srgbClr val="000000"/>
                 </a:solidFill>
@@ -4908,7 +6094,7 @@
           <a:lstStyle/>
           <a:p>
             <a:r>
-              <a:rPr lang="zh-CN" altLang="en-US" smtClean="0"/>
+              <a:rPr lang="zh-CN" altLang="en-US"/>
               <a:t>单击此处编辑母版标题样式</a:t>
             </a:r>
             <a:endParaRPr lang="en-US" dirty="0"/>
@@ -4937,35 +6123,35 @@
           <a:p>
             <a:pPr lvl="0"/>
             <a:r>
-              <a:rPr lang="zh-CN" altLang="en-US" smtClean="0"/>
+              <a:rPr lang="zh-CN" altLang="en-US"/>
               <a:t>单击此处编辑母版文本样式</a:t>
             </a:r>
           </a:p>
           <a:p>
             <a:pPr lvl="1"/>
             <a:r>
-              <a:rPr lang="zh-CN" altLang="en-US" smtClean="0"/>
+              <a:rPr lang="zh-CN" altLang="en-US"/>
               <a:t>二级</a:t>
             </a:r>
           </a:p>
           <a:p>
             <a:pPr lvl="2"/>
             <a:r>
-              <a:rPr lang="zh-CN" altLang="en-US" smtClean="0"/>
+              <a:rPr lang="zh-CN" altLang="en-US"/>
               <a:t>三级</a:t>
             </a:r>
           </a:p>
           <a:p>
             <a:pPr lvl="3"/>
             <a:r>
-              <a:rPr lang="zh-CN" altLang="en-US" smtClean="0"/>
+              <a:rPr lang="zh-CN" altLang="en-US"/>
               <a:t>四级</a:t>
             </a:r>
           </a:p>
           <a:p>
             <a:pPr lvl="4"/>
             <a:r>
-              <a:rPr lang="zh-CN" altLang="en-US" smtClean="0"/>
+              <a:rPr lang="zh-CN" altLang="en-US"/>
               <a:t>五级</a:t>
             </a:r>
             <a:endParaRPr lang="en-US" dirty="0"/>
@@ -4990,7 +6176,7 @@
             <a:fld id="{ED62726E-379B-B349-9EED-81ED093FA806}" type="datetimeFigureOut">
               <a:rPr lang="en-US" dirty="0"/>
               <a:pPr/>
-              <a:t>7/4/19</a:t>
+              <a:t>7/25/19</a:t>
             </a:fld>
             <a:endParaRPr lang="en-US" dirty="0"/>
           </a:p>
@@ -5141,7 +6327,7 @@
           <a:ln/>
           <a:extLst>
             <a:ext uri="{91240B29-F687-4f45-9708-019B960494DF}">
-              <a14:hiddenLine xmlns:a14="http://schemas.microsoft.com/office/drawing/2010/main" xmlns="" w="9525">
+              <a14:hiddenLine xmlns="" xmlns:a14="http://schemas.microsoft.com/office/drawing/2010/main" w="9525">
                 <a:solidFill>
                   <a:srgbClr val="000000"/>
                 </a:solidFill>
@@ -5188,7 +6374,7 @@
           <a:lstStyle/>
           <a:p>
             <a:r>
-              <a:rPr lang="zh-CN" altLang="en-US" smtClean="0"/>
+              <a:rPr lang="zh-CN" altLang="en-US"/>
               <a:t>单击此处编辑母版标题样式</a:t>
             </a:r>
             <a:endParaRPr lang="en-US" dirty="0"/>
@@ -5217,35 +6403,35 @@
           <a:p>
             <a:pPr lvl="0"/>
             <a:r>
-              <a:rPr lang="zh-CN" altLang="en-US" smtClean="0"/>
+              <a:rPr lang="zh-CN" altLang="en-US"/>
               <a:t>单击此处编辑母版文本样式</a:t>
             </a:r>
           </a:p>
           <a:p>
             <a:pPr lvl="1"/>
             <a:r>
-              <a:rPr lang="zh-CN" altLang="en-US" smtClean="0"/>
+              <a:rPr lang="zh-CN" altLang="en-US"/>
               <a:t>二级</a:t>
             </a:r>
           </a:p>
           <a:p>
             <a:pPr lvl="2"/>
             <a:r>
-              <a:rPr lang="zh-CN" altLang="en-US" smtClean="0"/>
+              <a:rPr lang="zh-CN" altLang="en-US"/>
               <a:t>三级</a:t>
             </a:r>
           </a:p>
           <a:p>
             <a:pPr lvl="3"/>
             <a:r>
-              <a:rPr lang="zh-CN" altLang="en-US" smtClean="0"/>
+              <a:rPr lang="zh-CN" altLang="en-US"/>
               <a:t>四级</a:t>
             </a:r>
           </a:p>
           <a:p>
             <a:pPr lvl="4"/>
             <a:r>
-              <a:rPr lang="zh-CN" altLang="en-US" smtClean="0"/>
+              <a:rPr lang="zh-CN" altLang="en-US"/>
               <a:t>五级</a:t>
             </a:r>
             <a:endParaRPr lang="en-US" dirty="0"/>
@@ -5270,7 +6456,7 @@
             <a:fld id="{9B3A1323-8D79-1946-B0D7-40001CF92E9D}" type="datetimeFigureOut">
               <a:rPr lang="en-US" dirty="0"/>
               <a:pPr/>
-              <a:t>7/4/19</a:t>
+              <a:t>7/25/19</a:t>
             </a:fld>
             <a:endParaRPr lang="en-US" dirty="0"/>
           </a:p>
@@ -5466,7 +6652,7 @@
           </a:lstStyle>
           <a:p>
             <a:r>
-              <a:rPr lang="zh-CN" altLang="en-US" smtClean="0"/>
+              <a:rPr lang="zh-CN" altLang="en-US"/>
               <a:t>单击此处编辑母版标题样式</a:t>
             </a:r>
             <a:endParaRPr lang="en-US" dirty="0"/>
@@ -5586,7 +6772,7 @@
           <a:p>
             <a:pPr lvl="0"/>
             <a:r>
-              <a:rPr lang="zh-CN" altLang="en-US" smtClean="0"/>
+              <a:rPr lang="zh-CN" altLang="en-US"/>
               <a:t>单击此处编辑母版文本样式</a:t>
             </a:r>
           </a:p>
@@ -5610,7 +6796,7 @@
             <a:fld id="{8DFA1846-DA80-1C48-A609-854EA85C59AD}" type="datetimeFigureOut">
               <a:rPr lang="en-US" dirty="0"/>
               <a:pPr/>
-              <a:t>7/4/19</a:t>
+              <a:t>7/25/19</a:t>
             </a:fld>
             <a:endParaRPr lang="en-US" dirty="0"/>
           </a:p>
@@ -5761,7 +6947,7 @@
           <a:ln/>
           <a:extLst>
             <a:ext uri="{91240B29-F687-4f45-9708-019B960494DF}">
-              <a14:hiddenLine xmlns:a14="http://schemas.microsoft.com/office/drawing/2010/main" xmlns="" w="9525">
+              <a14:hiddenLine xmlns="" xmlns:a14="http://schemas.microsoft.com/office/drawing/2010/main" w="9525">
                 <a:solidFill>
                   <a:srgbClr val="000000"/>
                 </a:solidFill>
@@ -5803,7 +6989,7 @@
           <a:lstStyle/>
           <a:p>
             <a:r>
-              <a:rPr lang="zh-CN" altLang="en-US" smtClean="0"/>
+              <a:rPr lang="zh-CN" altLang="en-US"/>
               <a:t>单击此处编辑母版标题样式</a:t>
             </a:r>
             <a:endParaRPr lang="en-US" dirty="0"/>
@@ -5834,35 +7020,35 @@
           <a:p>
             <a:pPr lvl="0"/>
             <a:r>
-              <a:rPr lang="zh-CN" altLang="en-US" smtClean="0"/>
+              <a:rPr lang="zh-CN" altLang="en-US"/>
               <a:t>单击此处编辑母版文本样式</a:t>
             </a:r>
           </a:p>
           <a:p>
             <a:pPr lvl="1"/>
             <a:r>
-              <a:rPr lang="zh-CN" altLang="en-US" smtClean="0"/>
+              <a:rPr lang="zh-CN" altLang="en-US"/>
               <a:t>二级</a:t>
             </a:r>
           </a:p>
           <a:p>
             <a:pPr lvl="2"/>
             <a:r>
-              <a:rPr lang="zh-CN" altLang="en-US" smtClean="0"/>
+              <a:rPr lang="zh-CN" altLang="en-US"/>
               <a:t>三级</a:t>
             </a:r>
           </a:p>
           <a:p>
             <a:pPr lvl="3"/>
             <a:r>
-              <a:rPr lang="zh-CN" altLang="en-US" smtClean="0"/>
+              <a:rPr lang="zh-CN" altLang="en-US"/>
               <a:t>四级</a:t>
             </a:r>
           </a:p>
           <a:p>
             <a:pPr lvl="4"/>
             <a:r>
-              <a:rPr lang="zh-CN" altLang="en-US" smtClean="0"/>
+              <a:rPr lang="zh-CN" altLang="en-US"/>
               <a:t>五级</a:t>
             </a:r>
             <a:endParaRPr lang="en-US" dirty="0"/>
@@ -5893,35 +7079,35 @@
           <a:p>
             <a:pPr lvl="0"/>
             <a:r>
-              <a:rPr lang="zh-CN" altLang="en-US" smtClean="0"/>
+              <a:rPr lang="zh-CN" altLang="en-US"/>
               <a:t>单击此处编辑母版文本样式</a:t>
             </a:r>
           </a:p>
           <a:p>
             <a:pPr lvl="1"/>
             <a:r>
-              <a:rPr lang="zh-CN" altLang="en-US" smtClean="0"/>
+              <a:rPr lang="zh-CN" altLang="en-US"/>
               <a:t>二级</a:t>
             </a:r>
           </a:p>
           <a:p>
             <a:pPr lvl="2"/>
             <a:r>
-              <a:rPr lang="zh-CN" altLang="en-US" smtClean="0"/>
+              <a:rPr lang="zh-CN" altLang="en-US"/>
               <a:t>三级</a:t>
             </a:r>
           </a:p>
           <a:p>
             <a:pPr lvl="3"/>
             <a:r>
-              <a:rPr lang="zh-CN" altLang="en-US" smtClean="0"/>
+              <a:rPr lang="zh-CN" altLang="en-US"/>
               <a:t>四级</a:t>
             </a:r>
           </a:p>
           <a:p>
             <a:pPr lvl="4"/>
             <a:r>
-              <a:rPr lang="zh-CN" altLang="en-US" smtClean="0"/>
+              <a:rPr lang="zh-CN" altLang="en-US"/>
               <a:t>五级</a:t>
             </a:r>
             <a:endParaRPr lang="en-US" dirty="0"/>
@@ -5946,7 +7132,7 @@
             <a:fld id="{57302355-E14B-8545-A8F8-0FE83CC9D524}" type="datetimeFigureOut">
               <a:rPr lang="en-US" dirty="0"/>
               <a:pPr/>
-              <a:t>7/4/19</a:t>
+              <a:t>7/25/19</a:t>
             </a:fld>
             <a:endParaRPr lang="en-US" dirty="0"/>
           </a:p>
@@ -6097,7 +7283,7 @@
           <a:ln/>
           <a:extLst>
             <a:ext uri="{91240B29-F687-4f45-9708-019B960494DF}">
-              <a14:hiddenLine xmlns:a14="http://schemas.microsoft.com/office/drawing/2010/main" xmlns="" w="9525">
+              <a14:hiddenLine xmlns="" xmlns:a14="http://schemas.microsoft.com/office/drawing/2010/main" w="9525">
                 <a:solidFill>
                   <a:srgbClr val="000000"/>
                 </a:solidFill>
@@ -6143,7 +7329,7 @@
           </a:lstStyle>
           <a:p>
             <a:r>
-              <a:rPr lang="zh-CN" altLang="en-US" smtClean="0"/>
+              <a:rPr lang="zh-CN" altLang="en-US"/>
               <a:t>单击此处编辑母版标题样式</a:t>
             </a:r>
             <a:endParaRPr lang="en-US" dirty="0"/>
@@ -6211,7 +7397,7 @@
           <a:p>
             <a:pPr lvl="0"/>
             <a:r>
-              <a:rPr lang="zh-CN" altLang="en-US" smtClean="0"/>
+              <a:rPr lang="zh-CN" altLang="en-US"/>
               <a:t>单击此处编辑母版文本样式</a:t>
             </a:r>
           </a:p>
@@ -6241,35 +7427,35 @@
           <a:p>
             <a:pPr lvl="0"/>
             <a:r>
-              <a:rPr lang="zh-CN" altLang="en-US" smtClean="0"/>
+              <a:rPr lang="zh-CN" altLang="en-US"/>
               <a:t>单击此处编辑母版文本样式</a:t>
             </a:r>
           </a:p>
           <a:p>
             <a:pPr lvl="1"/>
             <a:r>
-              <a:rPr lang="zh-CN" altLang="en-US" smtClean="0"/>
+              <a:rPr lang="zh-CN" altLang="en-US"/>
               <a:t>二级</a:t>
             </a:r>
           </a:p>
           <a:p>
             <a:pPr lvl="2"/>
             <a:r>
-              <a:rPr lang="zh-CN" altLang="en-US" smtClean="0"/>
+              <a:rPr lang="zh-CN" altLang="en-US"/>
               <a:t>三级</a:t>
             </a:r>
           </a:p>
           <a:p>
             <a:pPr lvl="3"/>
             <a:r>
-              <a:rPr lang="zh-CN" altLang="en-US" smtClean="0"/>
+              <a:rPr lang="zh-CN" altLang="en-US"/>
               <a:t>四级</a:t>
             </a:r>
           </a:p>
           <a:p>
             <a:pPr lvl="4"/>
             <a:r>
-              <a:rPr lang="zh-CN" altLang="en-US" smtClean="0"/>
+              <a:rPr lang="zh-CN" altLang="en-US"/>
               <a:t>五级</a:t>
             </a:r>
             <a:endParaRPr lang="en-US" dirty="0"/>
@@ -6337,7 +7523,7 @@
           <a:p>
             <a:pPr lvl="0"/>
             <a:r>
-              <a:rPr lang="zh-CN" altLang="en-US" smtClean="0"/>
+              <a:rPr lang="zh-CN" altLang="en-US"/>
               <a:t>单击此处编辑母版文本样式</a:t>
             </a:r>
           </a:p>
@@ -6367,35 +7553,35 @@
           <a:p>
             <a:pPr lvl="0"/>
             <a:r>
-              <a:rPr lang="zh-CN" altLang="en-US" smtClean="0"/>
+              <a:rPr lang="zh-CN" altLang="en-US"/>
               <a:t>单击此处编辑母版文本样式</a:t>
             </a:r>
           </a:p>
           <a:p>
             <a:pPr lvl="1"/>
             <a:r>
-              <a:rPr lang="zh-CN" altLang="en-US" smtClean="0"/>
+              <a:rPr lang="zh-CN" altLang="en-US"/>
               <a:t>二级</a:t>
             </a:r>
           </a:p>
           <a:p>
             <a:pPr lvl="2"/>
             <a:r>
-              <a:rPr lang="zh-CN" altLang="en-US" smtClean="0"/>
+              <a:rPr lang="zh-CN" altLang="en-US"/>
               <a:t>三级</a:t>
             </a:r>
           </a:p>
           <a:p>
             <a:pPr lvl="3"/>
             <a:r>
-              <a:rPr lang="zh-CN" altLang="en-US" smtClean="0"/>
+              <a:rPr lang="zh-CN" altLang="en-US"/>
               <a:t>四级</a:t>
             </a:r>
           </a:p>
           <a:p>
             <a:pPr lvl="4"/>
             <a:r>
-              <a:rPr lang="zh-CN" altLang="en-US" smtClean="0"/>
+              <a:rPr lang="zh-CN" altLang="en-US"/>
               <a:t>五级</a:t>
             </a:r>
             <a:endParaRPr lang="en-US" dirty="0"/>
@@ -6420,7 +7606,7 @@
             <a:fld id="{02640F58-564D-2B4F-AE67-E407BA4FCF45}" type="datetimeFigureOut">
               <a:rPr lang="en-US" dirty="0"/>
               <a:pPr/>
-              <a:t>7/4/19</a:t>
+              <a:t>7/25/19</a:t>
             </a:fld>
             <a:endParaRPr lang="en-US" dirty="0"/>
           </a:p>
@@ -6571,7 +7757,7 @@
           <a:ln/>
           <a:extLst>
             <a:ext uri="{91240B29-F687-4f45-9708-019B960494DF}">
-              <a14:hiddenLine xmlns:a14="http://schemas.microsoft.com/office/drawing/2010/main" xmlns="" w="9525">
+              <a14:hiddenLine xmlns="" xmlns:a14="http://schemas.microsoft.com/office/drawing/2010/main" w="9525">
                 <a:solidFill>
                   <a:srgbClr val="000000"/>
                 </a:solidFill>
@@ -6613,7 +7799,7 @@
           <a:lstStyle/>
           <a:p>
             <a:r>
-              <a:rPr lang="zh-CN" altLang="en-US" smtClean="0"/>
+              <a:rPr lang="zh-CN" altLang="en-US"/>
               <a:t>单击此处编辑母版标题样式</a:t>
             </a:r>
             <a:endParaRPr lang="en-US" dirty="0"/>
@@ -6638,7 +7824,7 @@
             <a:fld id="{F13A34C8-038E-2045-AF43-DF7DBB8E0E9E}" type="datetimeFigureOut">
               <a:rPr lang="en-US" dirty="0"/>
               <a:pPr/>
-              <a:t>7/4/19</a:t>
+              <a:t>7/25/19</a:t>
             </a:fld>
             <a:endParaRPr lang="en-US" dirty="0"/>
           </a:p>
@@ -6730,7 +7916,7 @@
             <a:fld id="{8818C68F-D26B-8F47-958C-23B49CF8A634}" type="datetimeFigureOut">
               <a:rPr lang="en-US" dirty="0"/>
               <a:pPr/>
-              <a:t>7/4/19</a:t>
+              <a:t>7/25/19</a:t>
             </a:fld>
             <a:endParaRPr lang="en-US" dirty="0"/>
           </a:p>
@@ -6994,7 +8180,7 @@
           <a:ln/>
           <a:extLst>
             <a:ext uri="{91240B29-F687-4f45-9708-019B960494DF}">
-              <a14:hiddenLine xmlns:a14="http://schemas.microsoft.com/office/drawing/2010/main" xmlns="" w="9525">
+              <a14:hiddenLine xmlns="" xmlns:a14="http://schemas.microsoft.com/office/drawing/2010/main" w="9525">
                 <a:solidFill>
                   <a:srgbClr val="000000"/>
                 </a:solidFill>
@@ -7045,7 +8231,7 @@
           </a:lstStyle>
           <a:p>
             <a:r>
-              <a:rPr lang="zh-CN" altLang="en-US" smtClean="0"/>
+              <a:rPr lang="zh-CN" altLang="en-US"/>
               <a:t>单击此处编辑母版标题样式</a:t>
             </a:r>
             <a:endParaRPr lang="en-US" dirty="0"/>
@@ -7076,35 +8262,35 @@
           <a:p>
             <a:pPr lvl="0"/>
             <a:r>
-              <a:rPr lang="zh-CN" altLang="en-US" smtClean="0"/>
+              <a:rPr lang="zh-CN" altLang="en-US"/>
               <a:t>单击此处编辑母版文本样式</a:t>
             </a:r>
           </a:p>
           <a:p>
             <a:pPr lvl="1"/>
             <a:r>
-              <a:rPr lang="zh-CN" altLang="en-US" smtClean="0"/>
+              <a:rPr lang="zh-CN" altLang="en-US"/>
               <a:t>二级</a:t>
             </a:r>
           </a:p>
           <a:p>
             <a:pPr lvl="2"/>
             <a:r>
-              <a:rPr lang="zh-CN" altLang="en-US" smtClean="0"/>
+              <a:rPr lang="zh-CN" altLang="en-US"/>
               <a:t>三级</a:t>
             </a:r>
           </a:p>
           <a:p>
             <a:pPr lvl="3"/>
             <a:r>
-              <a:rPr lang="zh-CN" altLang="en-US" smtClean="0"/>
+              <a:rPr lang="zh-CN" altLang="en-US"/>
               <a:t>四级</a:t>
             </a:r>
           </a:p>
           <a:p>
             <a:pPr lvl="4"/>
             <a:r>
-              <a:rPr lang="zh-CN" altLang="en-US" smtClean="0"/>
+              <a:rPr lang="zh-CN" altLang="en-US"/>
               <a:t>五级</a:t>
             </a:r>
             <a:endParaRPr lang="en-US" dirty="0"/>
@@ -7170,7 +8356,7 @@
           <a:p>
             <a:pPr lvl="0"/>
             <a:r>
-              <a:rPr lang="zh-CN" altLang="en-US" smtClean="0"/>
+              <a:rPr lang="zh-CN" altLang="en-US"/>
               <a:t>单击此处编辑母版文本样式</a:t>
             </a:r>
           </a:p>
@@ -7194,7 +8380,7 @@
             <a:fld id="{D0DF5E60-9974-AC48-9591-99C2BB44B7CF}" type="datetimeFigureOut">
               <a:rPr lang="en-US" dirty="0"/>
               <a:pPr/>
-              <a:t>7/4/19</a:t>
+              <a:t>7/25/19</a:t>
             </a:fld>
             <a:endParaRPr lang="en-US" dirty="0"/>
           </a:p>
@@ -7295,7 +8481,7 @@
           </a:lstStyle>
           <a:p>
             <a:r>
-              <a:rPr lang="zh-CN" altLang="en-US" smtClean="0"/>
+              <a:rPr lang="zh-CN" altLang="en-US"/>
               <a:t>单击此处编辑母版标题样式</a:t>
             </a:r>
             <a:endParaRPr lang="en-US" dirty="0"/>
@@ -7407,7 +8593,7 @@
           </a:lstStyle>
           <a:p>
             <a:r>
-              <a:rPr lang="zh-CN" altLang="en-US" smtClean="0"/>
+              <a:rPr lang="zh-CN" altLang="en-US"/>
               <a:t>将图片拖动到占位符，或单击添加图标</a:t>
             </a:r>
             <a:endParaRPr lang="en-US" dirty="0"/>
@@ -7475,7 +8661,7 @@
           <a:p>
             <a:pPr lvl="0"/>
             <a:r>
-              <a:rPr lang="zh-CN" altLang="en-US" smtClean="0"/>
+              <a:rPr lang="zh-CN" altLang="en-US"/>
               <a:t>单击此处编辑母版文本样式</a:t>
             </a:r>
           </a:p>
@@ -7504,7 +8690,7 @@
             <a:fld id="{18C79C5D-2A6F-F04D-97DA-BEF2467B64E4}" type="datetimeFigureOut">
               <a:rPr lang="en-US" dirty="0"/>
               <a:pPr/>
-              <a:t>7/4/19</a:t>
+              <a:t>7/25/19</a:t>
             </a:fld>
             <a:endParaRPr lang="en-US" dirty="0"/>
           </a:p>
@@ -7626,7 +8812,7 @@
           <a:lstStyle/>
           <a:p>
             <a:r>
-              <a:rPr lang="zh-CN" altLang="en-US" smtClean="0"/>
+              <a:rPr lang="zh-CN" altLang="en-US"/>
               <a:t>单击此处编辑母版标题样式</a:t>
             </a:r>
             <a:endParaRPr lang="en-US" dirty="0"/>
@@ -7667,35 +8853,35 @@
           <a:p>
             <a:pPr lvl="0"/>
             <a:r>
-              <a:rPr lang="zh-CN" altLang="en-US" smtClean="0"/>
+              <a:rPr lang="zh-CN" altLang="en-US"/>
               <a:t>单击此处编辑母版文本样式</a:t>
             </a:r>
           </a:p>
           <a:p>
             <a:pPr lvl="1"/>
             <a:r>
-              <a:rPr lang="zh-CN" altLang="en-US" smtClean="0"/>
+              <a:rPr lang="zh-CN" altLang="en-US"/>
               <a:t>二级</a:t>
             </a:r>
           </a:p>
           <a:p>
             <a:pPr lvl="2"/>
             <a:r>
-              <a:rPr lang="zh-CN" altLang="en-US" smtClean="0"/>
+              <a:rPr lang="zh-CN" altLang="en-US"/>
               <a:t>三级</a:t>
             </a:r>
           </a:p>
           <a:p>
             <a:pPr lvl="3"/>
             <a:r>
-              <a:rPr lang="zh-CN" altLang="en-US" smtClean="0"/>
+              <a:rPr lang="zh-CN" altLang="en-US"/>
               <a:t>四级</a:t>
             </a:r>
           </a:p>
           <a:p>
             <a:pPr lvl="4"/>
             <a:r>
-              <a:rPr lang="zh-CN" altLang="en-US" smtClean="0"/>
+              <a:rPr lang="zh-CN" altLang="en-US"/>
               <a:t>五级</a:t>
             </a:r>
             <a:endParaRPr lang="en-US" dirty="0"/>
@@ -7771,7 +8957,7 @@
             <a:fld id="{09B482E8-6E0E-1B4F-B1FD-C69DB9E858D9}" type="datetimeFigureOut">
               <a:rPr lang="en-US" dirty="0"/>
               <a:pPr/>
-              <a:t>7/4/19</a:t>
+              <a:t>7/25/19</a:t>
             </a:fld>
             <a:endParaRPr lang="en-US" dirty="0"/>
           </a:p>
@@ -8253,10 +9439,9 @@
           <a:p>
             <a:pPr algn="ctr"/>
             <a:r>
-              <a:rPr kumimoji="1" lang="zh-CN" altLang="en-US" dirty="0" smtClean="0"/>
+              <a:rPr kumimoji="1" lang="zh-CN" altLang="en-US" dirty="0"/>
               <a:t>云原生综述</a:t>
             </a:r>
-            <a:endParaRPr kumimoji="1" lang="zh-CN" altLang="en-US" dirty="0"/>
           </a:p>
         </p:txBody>
       </p:sp>
@@ -8294,13 +9479,6 @@
   <p:clrMapOvr>
     <a:masterClrMapping/>
   </p:clrMapOvr>
-  <p:timing>
-    <p:tnLst>
-      <p:par>
-        <p:cTn id="1" dur="indefinite" restart="never" nodeType="tmRoot"/>
-      </p:par>
-    </p:tnLst>
-  </p:timing>
 </p:sld>
 </file>
 
@@ -8341,7 +9519,7 @@
               <a:t>12Factor</a:t>
             </a:r>
             <a:r>
-              <a:rPr lang="zh-CN" altLang="da-DK" dirty="0" smtClean="0"/>
+              <a:rPr lang="zh-CN" altLang="da-DK" dirty="0"/>
               <a:t>应用</a:t>
             </a:r>
             <a:endParaRPr kumimoji="1" lang="zh-CN" altLang="en-US" dirty="0"/>
@@ -8565,7 +9743,7 @@
               <a:t>12Factor</a:t>
             </a:r>
             <a:r>
-              <a:rPr lang="zh-CN" altLang="da-DK" dirty="0" smtClean="0"/>
+              <a:rPr lang="zh-CN" altLang="da-DK" dirty="0"/>
               <a:t>应用</a:t>
             </a:r>
             <a:endParaRPr kumimoji="1" lang="zh-CN" altLang="en-US" dirty="0"/>
@@ -8782,19 +9960,15 @@
           <a:lstStyle/>
           <a:p>
             <a:r>
-              <a:rPr lang="en-US" altLang="zh-CN" dirty="0" smtClean="0"/>
+              <a:rPr lang="en-US" altLang="zh-CN" dirty="0"/>
               <a:t>+3Factor</a:t>
             </a:r>
           </a:p>
           <a:p>
             <a:pPr lvl="1"/>
             <a:r>
-              <a:rPr lang="en-US" altLang="zh-CN" dirty="0" smtClean="0"/>
-              <a:t>API </a:t>
-            </a:r>
-            <a:r>
-              <a:rPr lang="en-US" altLang="zh-CN" dirty="0"/>
-              <a:t>first</a:t>
+              <a:rPr lang="en-US" altLang="zh-CN" dirty="0"/>
+              <a:t>API first</a:t>
             </a:r>
           </a:p>
           <a:p>
@@ -8924,11 +10098,7 @@
           <a:p>
             <a:r>
               <a:rPr lang="zh-CN" altLang="en-US" dirty="0"/>
-              <a:t>微</a:t>
-            </a:r>
-            <a:r>
-              <a:rPr lang="zh-CN" altLang="en-US" dirty="0" smtClean="0"/>
-              <a:t>服务</a:t>
+              <a:t>微服务</a:t>
             </a:r>
             <a:endParaRPr kumimoji="1" lang="zh-CN" altLang="en-US" dirty="0"/>
           </a:p>
@@ -9036,11 +10206,7 @@
           <a:p>
             <a:r>
               <a:rPr lang="zh-CN" altLang="en-US" dirty="0"/>
-              <a:t>云</a:t>
-            </a:r>
-            <a:r>
-              <a:rPr lang="zh-CN" altLang="en-US" dirty="0" smtClean="0"/>
-              <a:t>平台</a:t>
+              <a:t>云平台</a:t>
             </a:r>
             <a:endParaRPr kumimoji="1" lang="zh-CN" altLang="en-US" dirty="0"/>
           </a:p>
@@ -9081,13 +10247,8 @@
           <a:p>
             <a:r>
               <a:rPr lang="zh-CN" altLang="en-US" dirty="0"/>
-              <a:t>日志和指标的</a:t>
-            </a:r>
-            <a:r>
-              <a:rPr lang="zh-CN" altLang="en-US" dirty="0" smtClean="0"/>
-              <a:t>聚合</a:t>
-            </a:r>
-            <a:endParaRPr lang="zh-CN" altLang="en-US" dirty="0"/>
+              <a:t>日志和指标的聚合</a:t>
+            </a:r>
           </a:p>
         </p:txBody>
       </p:sp>
@@ -9137,10 +10298,9 @@
           <a:lstStyle/>
           <a:p>
             <a:r>
-              <a:rPr kumimoji="1" lang="zh-CN" altLang="en-US" dirty="0" smtClean="0"/>
+              <a:rPr kumimoji="1" lang="zh-CN" altLang="en-US" dirty="0"/>
               <a:t>迁移到云原生</a:t>
             </a:r>
-            <a:endParaRPr kumimoji="1" lang="zh-CN" altLang="en-US" dirty="0"/>
           </a:p>
         </p:txBody>
       </p:sp>
@@ -9185,7 +10345,7 @@
             <a:endParaRPr lang="zh-CN" altLang="en-US" dirty="0"/>
           </a:p>
           <a:p>
-            <a:endParaRPr kumimoji="1" lang="en-US" altLang="zh-CN" dirty="0" smtClean="0"/>
+            <a:endParaRPr kumimoji="1" lang="en-US" altLang="zh-CN" dirty="0"/>
           </a:p>
           <a:p>
             <a:r>
@@ -9340,7 +10500,7 @@
           <a:lstStyle/>
           <a:p>
             <a:r>
-              <a:rPr kumimoji="1" lang="zh-CN" altLang="en-US" smtClean="0"/>
+              <a:rPr kumimoji="1" lang="zh-CN" altLang="en-US"/>
               <a:t>迁移到云原生</a:t>
             </a:r>
             <a:endParaRPr kumimoji="1" lang="zh-CN" altLang="en-US" dirty="0"/>
@@ -9593,7 +10753,7 @@
           <a:lstStyle/>
           <a:p>
             <a:r>
-              <a:rPr kumimoji="1" lang="zh-CN" altLang="en-US" smtClean="0"/>
+              <a:rPr kumimoji="1" lang="zh-CN" altLang="en-US"/>
               <a:t>迁移到云原生</a:t>
             </a:r>
             <a:endParaRPr kumimoji="1" lang="zh-CN" altLang="en-US" dirty="0"/>
@@ -9697,23 +10857,15 @@
           <a:p>
             <a:r>
               <a:rPr lang="zh-CN" altLang="en-US" dirty="0"/>
-              <a:t>分布式</a:t>
-            </a:r>
-            <a:r>
-              <a:rPr lang="zh-CN" altLang="en-US" dirty="0" smtClean="0"/>
-              <a:t>系统</a:t>
-            </a:r>
-            <a:r>
-              <a:rPr lang="en-US" altLang="zh-CN" dirty="0" smtClean="0"/>
+              <a:t>分布式系统</a:t>
+            </a:r>
+            <a:r>
+              <a:rPr lang="en-US" altLang="zh-CN" dirty="0"/>
               <a:t>-</a:t>
             </a:r>
             <a:r>
               <a:rPr lang="zh-CN" altLang="en-US" b="0" dirty="0"/>
-              <a:t>远程</a:t>
-            </a:r>
-            <a:r>
-              <a:rPr lang="zh-CN" altLang="en-US" b="0" dirty="0" smtClean="0"/>
-              <a:t>通信</a:t>
+              <a:t>远程通信</a:t>
             </a:r>
             <a:endParaRPr kumimoji="1" lang="zh-CN" altLang="en-US" dirty="0"/>
           </a:p>
@@ -10001,14 +11153,10 @@
           <a:p>
             <a:r>
               <a:rPr lang="zh-CN" altLang="en-US" dirty="0"/>
-              <a:t>分布式</a:t>
-            </a:r>
-            <a:r>
-              <a:rPr lang="zh-CN" altLang="en-US" dirty="0" smtClean="0"/>
-              <a:t>系统</a:t>
-            </a:r>
-            <a:r>
-              <a:rPr lang="en-US" altLang="zh-CN" dirty="0" smtClean="0"/>
+              <a:t>分布式系统</a:t>
+            </a:r>
+            <a:r>
+              <a:rPr lang="en-US" altLang="zh-CN" dirty="0"/>
               <a:t>-</a:t>
             </a:r>
             <a:r>
@@ -10041,10 +11189,9 @@
           <a:lstStyle/>
           <a:p>
             <a:r>
-              <a:rPr lang="zh-CN" altLang="en-US" dirty="0" smtClean="0"/>
+              <a:rPr lang="zh-CN" altLang="en-US" dirty="0"/>
               <a:t>目的</a:t>
             </a:r>
-            <a:endParaRPr lang="zh-CN" altLang="en-US" dirty="0"/>
           </a:p>
           <a:p>
             <a:pPr lvl="1"/>
@@ -10104,13 +11251,8 @@
             <a:pPr lvl="1"/>
             <a:r>
               <a:rPr lang="zh-CN" altLang="en-US" dirty="0"/>
-              <a:t>长</a:t>
-            </a:r>
-            <a:r>
-              <a:rPr lang="zh-CN" altLang="en-US" dirty="0" smtClean="0"/>
-              <a:t>连接</a:t>
-            </a:r>
-            <a:endParaRPr lang="zh-CN" altLang="en-US" dirty="0"/>
+              <a:t>长连接</a:t>
+            </a:r>
           </a:p>
         </p:txBody>
       </p:sp>
@@ -10160,7 +11302,7 @@
           <a:lstStyle/>
           <a:p>
             <a:r>
-              <a:rPr kumimoji="1" lang="en-US" altLang="zh-CN" dirty="0" smtClean="0"/>
+              <a:rPr kumimoji="1" lang="en-US" altLang="zh-CN" dirty="0"/>
               <a:t>Agenda</a:t>
             </a:r>
             <a:endParaRPr kumimoji="1" lang="zh-CN" altLang="en-US" dirty="0"/>
@@ -10188,24 +11330,24 @@
           <a:lstStyle/>
           <a:p>
             <a:r>
-              <a:rPr kumimoji="1" lang="zh-CN" altLang="en-US" dirty="0" smtClean="0"/>
+              <a:rPr kumimoji="1" lang="zh-CN" altLang="en-US" dirty="0"/>
               <a:t>云原生</a:t>
             </a:r>
-            <a:endParaRPr kumimoji="1" lang="en-US" altLang="zh-CN" dirty="0" smtClean="0"/>
-          </a:p>
-          <a:p>
-            <a:r>
-              <a:rPr kumimoji="1" lang="zh-CN" altLang="en-US" dirty="0" smtClean="0"/>
+            <a:endParaRPr kumimoji="1" lang="en-US" altLang="zh-CN" dirty="0"/>
+          </a:p>
+          <a:p>
+            <a:r>
+              <a:rPr kumimoji="1" lang="zh-CN" altLang="en-US" dirty="0"/>
               <a:t>分布式系统</a:t>
             </a:r>
-            <a:endParaRPr kumimoji="1" lang="en-US" altLang="zh-CN" dirty="0" smtClean="0"/>
-          </a:p>
-          <a:p>
-            <a:r>
-              <a:rPr kumimoji="1" lang="zh-CN" altLang="en-US" dirty="0" smtClean="0"/>
+            <a:endParaRPr kumimoji="1" lang="en-US" altLang="zh-CN" dirty="0"/>
+          </a:p>
+          <a:p>
+            <a:r>
+              <a:rPr kumimoji="1" lang="zh-CN" altLang="en-US" dirty="0"/>
               <a:t>服务治理</a:t>
             </a:r>
-            <a:endParaRPr kumimoji="1" lang="en-US" altLang="zh-CN" dirty="0" smtClean="0"/>
+            <a:endParaRPr kumimoji="1" lang="en-US" altLang="zh-CN" dirty="0"/>
           </a:p>
         </p:txBody>
       </p:sp>
@@ -10219,13 +11361,6 @@
   <p:clrMapOvr>
     <a:masterClrMapping/>
   </p:clrMapOvr>
-  <p:timing>
-    <p:tnLst>
-      <p:par>
-        <p:cTn id="1" dur="indefinite" restart="never" nodeType="tmRoot"/>
-      </p:par>
-    </p:tnLst>
-  </p:timing>
 </p:sld>
 </file>
 
@@ -10479,7 +11614,7 @@
               <a:t>-</a:t>
             </a:r>
             <a:r>
-              <a:rPr lang="zh-CN" altLang="en-US" b="0" dirty="0" smtClean="0"/>
+              <a:rPr lang="zh-CN" altLang="en-US" b="0" dirty="0"/>
               <a:t>服务治理</a:t>
             </a:r>
             <a:endParaRPr kumimoji="1" lang="zh-CN" altLang="en-US" dirty="0"/>
@@ -10509,12 +11644,8 @@
           <a:lstStyle/>
           <a:p>
             <a:r>
-              <a:rPr lang="zh-CN" altLang="en-US" dirty="0" smtClean="0"/>
-              <a:t>服务</a:t>
-            </a:r>
-            <a:r>
-              <a:rPr lang="zh-CN" altLang="en-US" dirty="0"/>
-              <a:t>注册发现</a:t>
+              <a:rPr lang="zh-CN" altLang="en-US" dirty="0"/>
+              <a:t>服务注册发现</a:t>
             </a:r>
           </a:p>
           <a:p>
@@ -10697,13 +11828,8 @@
             </a:r>
             <a:r>
               <a:rPr lang="zh-CN" altLang="en-US" dirty="0"/>
-              <a:t>系统，尽量保证可用性，任何一个节点挂点，其他节点可以继续提供服务，一段时间内数据可能不</a:t>
-            </a:r>
-            <a:r>
-              <a:rPr lang="zh-CN" altLang="en-US" dirty="0" smtClean="0"/>
-              <a:t>一致</a:t>
-            </a:r>
-            <a:endParaRPr lang="zh-CN" altLang="en-US" dirty="0"/>
+              <a:t>系统，尽量保证可用性，任何一个节点挂点，其他节点可以继续提供服务，一段时间内数据可能不一致</a:t>
+            </a:r>
           </a:p>
         </p:txBody>
       </p:sp>
@@ -10761,7 +11887,7 @@
               <a:t>-</a:t>
             </a:r>
             <a:r>
-              <a:rPr lang="zh-CN" altLang="en-US" b="0" dirty="0" smtClean="0"/>
+              <a:rPr lang="zh-CN" altLang="en-US" b="0" dirty="0"/>
               <a:t>服务治理</a:t>
             </a:r>
             <a:endParaRPr kumimoji="1" lang="zh-CN" altLang="en-US" dirty="0"/>
@@ -10791,12 +11917,8 @@
           <a:lstStyle/>
           <a:p>
             <a:r>
-              <a:rPr lang="zh-CN" altLang="en-US" dirty="0" smtClean="0"/>
-              <a:t>路由</a:t>
-            </a:r>
-            <a:r>
-              <a:rPr lang="zh-CN" altLang="en-US" dirty="0"/>
-              <a:t>和负载均衡</a:t>
+              <a:rPr lang="zh-CN" altLang="en-US" dirty="0"/>
+              <a:t>路由和负载均衡</a:t>
             </a:r>
           </a:p>
           <a:p>
@@ -10998,7 +12120,7 @@
               <a:t>-</a:t>
             </a:r>
             <a:r>
-              <a:rPr lang="zh-CN" altLang="en-US" b="0" dirty="0" smtClean="0"/>
+              <a:rPr lang="zh-CN" altLang="en-US" b="0" dirty="0"/>
               <a:t>服务治理</a:t>
             </a:r>
             <a:endParaRPr kumimoji="1" lang="zh-CN" altLang="en-US" dirty="0"/>
@@ -11028,10 +12150,9 @@
           <a:lstStyle/>
           <a:p>
             <a:r>
-              <a:rPr lang="zh-CN" altLang="en-US" dirty="0" smtClean="0"/>
+              <a:rPr lang="zh-CN" altLang="en-US" dirty="0"/>
               <a:t>限流</a:t>
             </a:r>
-            <a:endParaRPr lang="zh-CN" altLang="en-US" dirty="0"/>
           </a:p>
           <a:p>
             <a:pPr lvl="1"/>
@@ -11314,10 +12435,9 @@
           <a:lstStyle/>
           <a:p>
             <a:r>
-              <a:rPr lang="zh-CN" altLang="en-US" dirty="0" smtClean="0"/>
+              <a:rPr lang="zh-CN" altLang="en-US" dirty="0"/>
               <a:t>容错</a:t>
             </a:r>
-            <a:endParaRPr lang="zh-CN" altLang="en-US" dirty="0"/>
           </a:p>
           <a:p>
             <a:pPr lvl="1"/>
@@ -11372,7 +12492,7 @@
               <a:t>开源实现：</a:t>
             </a:r>
             <a:r>
-              <a:rPr lang="en-US" altLang="zh-CN" dirty="0" err="1" smtClean="0"/>
+              <a:rPr lang="en-US" altLang="zh-CN" dirty="0" err="1"/>
               <a:t>Hystrix</a:t>
             </a:r>
             <a:endParaRPr lang="en-US" altLang="zh-CN" dirty="0"/>
@@ -11429,7 +12549,7 @@
               <a:t>分布式系统</a:t>
             </a:r>
             <a:r>
-              <a:rPr lang="en-US" altLang="zh-CN" dirty="0" smtClean="0"/>
+              <a:rPr lang="en-US" altLang="zh-CN" dirty="0"/>
               <a:t>-</a:t>
             </a:r>
             <a:r>
@@ -11467,12 +12587,8 @@
           <a:p>
             <a:pPr lvl="1"/>
             <a:r>
-              <a:rPr lang="zh-CN" altLang="en-US" dirty="0" smtClean="0"/>
-              <a:t>并发</a:t>
-            </a:r>
-            <a:r>
-              <a:rPr lang="zh-CN" altLang="en-US" dirty="0"/>
-              <a:t>访问多个后端微服务，聚合响应结果返回前端（必要时做协议转换，比如</a:t>
+              <a:rPr lang="zh-CN" altLang="en-US" dirty="0"/>
+              <a:t>并发访问多个后端微服务，聚合响应结果返回前端（必要时做协议转换，比如</a:t>
             </a:r>
             <a:r>
               <a:rPr lang="en-US" altLang="zh-CN" dirty="0"/>
@@ -11490,42 +12606,41 @@
           <a:p>
             <a:pPr lvl="1"/>
             <a:r>
-              <a:rPr lang="zh-CN" altLang="en-US" dirty="0" smtClean="0"/>
+              <a:rPr lang="zh-CN" altLang="en-US" dirty="0"/>
               <a:t>要求对并发支持好（</a:t>
             </a:r>
             <a:r>
-              <a:rPr lang="en-US" altLang="zh-CN" dirty="0" err="1" smtClean="0"/>
+              <a:rPr lang="en-US" altLang="zh-CN" dirty="0" err="1"/>
               <a:t>golang</a:t>
             </a:r>
             <a:r>
-              <a:rPr lang="en-US" altLang="zh-CN" dirty="0" smtClean="0"/>
+              <a:rPr lang="en-US" altLang="zh-CN" dirty="0"/>
               <a:t>/</a:t>
             </a:r>
             <a:r>
-              <a:rPr lang="en-US" altLang="zh-CN" dirty="0" err="1" smtClean="0"/>
+              <a:rPr lang="en-US" altLang="zh-CN" dirty="0" err="1"/>
               <a:t>nodejs</a:t>
             </a:r>
             <a:r>
-              <a:rPr lang="en-US" altLang="zh-CN" dirty="0" smtClean="0"/>
+              <a:rPr lang="en-US" altLang="zh-CN" dirty="0"/>
               <a:t>/</a:t>
             </a:r>
             <a:r>
-              <a:rPr lang="en-US" altLang="zh-CN" dirty="0" err="1" smtClean="0"/>
+              <a:rPr lang="en-US" altLang="zh-CN" dirty="0" err="1"/>
               <a:t>openresty</a:t>
             </a:r>
             <a:r>
-              <a:rPr lang="en-US" altLang="zh-CN" dirty="0" smtClean="0"/>
+              <a:rPr lang="en-US" altLang="zh-CN" dirty="0"/>
               <a:t>/</a:t>
             </a:r>
             <a:r>
-              <a:rPr lang="en-US" altLang="zh-CN" dirty="0" err="1" smtClean="0"/>
+              <a:rPr lang="en-US" altLang="zh-CN" dirty="0" err="1"/>
               <a:t>RxJava</a:t>
             </a:r>
             <a:r>
-              <a:rPr lang="zh-CN" altLang="en-US" dirty="0" smtClean="0"/>
+              <a:rPr lang="zh-CN" altLang="en-US" dirty="0"/>
               <a:t>）</a:t>
             </a:r>
-            <a:endParaRPr lang="zh-CN" altLang="en-US" dirty="0"/>
           </a:p>
         </p:txBody>
       </p:sp>
@@ -11603,7 +12718,7 @@
               <a:t>分布式系统</a:t>
             </a:r>
             <a:r>
-              <a:rPr lang="en-US" altLang="zh-CN" dirty="0" smtClean="0"/>
+              <a:rPr lang="en-US" altLang="zh-CN" dirty="0"/>
               <a:t>-</a:t>
             </a:r>
             <a:r>
@@ -11637,12 +12752,8 @@
           <a:p>
             <a:pPr lvl="1"/>
             <a:r>
-              <a:rPr lang="zh-CN" altLang="en-US" dirty="0" smtClean="0"/>
-              <a:t>日志</a:t>
-            </a:r>
-            <a:r>
-              <a:rPr lang="zh-CN" altLang="en-US" dirty="0"/>
-              <a:t>：</a:t>
+              <a:rPr lang="zh-CN" altLang="en-US" dirty="0"/>
+              <a:t>日志：</a:t>
             </a:r>
             <a:r>
               <a:rPr lang="en-US" altLang="zh-CN" dirty="0" err="1"/>
@@ -11818,7 +12929,7 @@
               <a:t>分布式系统</a:t>
             </a:r>
             <a:r>
-              <a:rPr lang="en-US" altLang="zh-CN" dirty="0" smtClean="0"/>
+              <a:rPr lang="en-US" altLang="zh-CN" dirty="0"/>
               <a:t>-</a:t>
             </a:r>
             <a:r>
@@ -11827,11 +12938,7 @@
             </a:r>
             <a:r>
               <a:rPr lang="zh-CN" altLang="en-US" b="0" dirty="0"/>
-              <a:t>数据</a:t>
-            </a:r>
-            <a:r>
-              <a:rPr lang="zh-CN" altLang="en-US" b="0" dirty="0" smtClean="0"/>
-              <a:t>架构</a:t>
+              <a:t>数据架构</a:t>
             </a:r>
             <a:endParaRPr kumimoji="1" lang="zh-CN" altLang="en-US" dirty="0"/>
           </a:p>
@@ -12042,7 +13149,7 @@
               <a:t>分布式系统</a:t>
             </a:r>
             <a:r>
-              <a:rPr lang="en-US" altLang="zh-CN" dirty="0" smtClean="0"/>
+              <a:rPr lang="en-US" altLang="zh-CN" dirty="0"/>
               <a:t>-</a:t>
             </a:r>
             <a:r>
@@ -12051,11 +13158,7 @@
             </a:r>
             <a:r>
               <a:rPr lang="zh-CN" altLang="en-US" b="0" dirty="0"/>
-              <a:t>数据</a:t>
-            </a:r>
-            <a:r>
-              <a:rPr lang="zh-CN" altLang="en-US" b="0" dirty="0" smtClean="0"/>
-              <a:t>架构</a:t>
+              <a:t>数据架构</a:t>
             </a:r>
             <a:endParaRPr kumimoji="1" lang="zh-CN" altLang="en-US" dirty="0"/>
           </a:p>
@@ -12085,7 +13188,7 @@
           <a:p>
             <a:pPr lvl="1"/>
             <a:r>
-              <a:rPr lang="en-US" altLang="zh-CN" dirty="0" err="1" smtClean="0"/>
+              <a:rPr lang="en-US" altLang="zh-CN" dirty="0" err="1"/>
               <a:t>NewSQL</a:t>
             </a:r>
             <a:r>
@@ -12426,13 +13529,8 @@
             </a:r>
             <a:r>
               <a:rPr lang="zh-CN" altLang="en-US" dirty="0"/>
-              <a:t>，执行后归并</a:t>
-            </a:r>
-            <a:r>
-              <a:rPr lang="zh-CN" altLang="en-US" dirty="0" smtClean="0"/>
-              <a:t>结果</a:t>
-            </a:r>
-            <a:endParaRPr lang="zh-CN" altLang="en-US" dirty="0"/>
+              <a:t>，执行后归并结果</a:t>
+            </a:r>
           </a:p>
         </p:txBody>
       </p:sp>
@@ -12482,10 +13580,9 @@
           <a:lstStyle/>
           <a:p>
             <a:r>
-              <a:rPr kumimoji="1" lang="zh-CN" altLang="en-US" dirty="0" smtClean="0"/>
+              <a:rPr kumimoji="1" lang="zh-CN" altLang="en-US" dirty="0"/>
               <a:t>云原生背景</a:t>
             </a:r>
-            <a:endParaRPr kumimoji="1" lang="zh-CN" altLang="en-US" dirty="0"/>
           </a:p>
         </p:txBody>
       </p:sp>
@@ -12633,13 +13730,6 @@
   <p:clrMapOvr>
     <a:masterClrMapping/>
   </p:clrMapOvr>
-  <p:timing>
-    <p:tnLst>
-      <p:par>
-        <p:cTn id="1" dur="indefinite" restart="never" nodeType="tmRoot"/>
-      </p:par>
-    </p:tnLst>
-  </p:timing>
 </p:sld>
 </file>
 
@@ -12718,12 +13808,8 @@
           <a:lstStyle/>
           <a:p>
             <a:r>
-              <a:rPr lang="zh-CN" altLang="en-US" dirty="0" smtClean="0"/>
-              <a:t>分布式</a:t>
-            </a:r>
-            <a:r>
-              <a:rPr lang="zh-CN" altLang="en-US" dirty="0"/>
-              <a:t>事务</a:t>
+              <a:rPr lang="zh-CN" altLang="en-US" dirty="0"/>
+              <a:t>分布式事务</a:t>
             </a:r>
           </a:p>
           <a:p>
@@ -12963,12 +14049,8 @@
           <a:lstStyle/>
           <a:p>
             <a:r>
-              <a:rPr lang="zh-CN" altLang="en-US" dirty="0" smtClean="0"/>
-              <a:t>数据库</a:t>
-            </a:r>
-            <a:r>
-              <a:rPr lang="zh-CN" altLang="en-US" dirty="0"/>
-              <a:t>治理</a:t>
+              <a:rPr lang="zh-CN" altLang="en-US" dirty="0"/>
+              <a:t>数据库治理</a:t>
             </a:r>
           </a:p>
           <a:p>
@@ -13109,18 +14191,14 @@
           <a:p>
             <a:r>
               <a:rPr lang="zh-CN" altLang="en-US" dirty="0"/>
-              <a:t>侵入</a:t>
-            </a:r>
-            <a:r>
-              <a:rPr lang="zh-CN" altLang="en-US" dirty="0" smtClean="0"/>
-              <a:t>式</a:t>
-            </a:r>
-            <a:r>
-              <a:rPr kumimoji="1" lang="zh-CN" altLang="en-US" dirty="0" smtClean="0"/>
+              <a:t>侵入式</a:t>
+            </a:r>
+            <a:r>
+              <a:rPr kumimoji="1" lang="zh-CN" altLang="en-US" dirty="0"/>
               <a:t>服务治理</a:t>
             </a:r>
             <a:r>
-              <a:rPr kumimoji="1" lang="en-US" altLang="zh-CN" dirty="0" smtClean="0"/>
+              <a:rPr kumimoji="1" lang="en-US" altLang="zh-CN" dirty="0"/>
               <a:t>-</a:t>
             </a:r>
             <a:r>
@@ -13128,7 +14206,7 @@
               <a:t> </a:t>
             </a:r>
             <a:r>
-              <a:rPr lang="en-US" altLang="zh-CN" b="0" dirty="0" err="1" smtClean="0"/>
+              <a:rPr lang="en-US" altLang="zh-CN" b="0" dirty="0" err="1"/>
               <a:t>dubbo</a:t>
             </a:r>
             <a:endParaRPr kumimoji="1" lang="zh-CN" altLang="en-US" dirty="0"/>
@@ -13360,18 +14438,14 @@
           <a:p>
             <a:r>
               <a:rPr lang="zh-CN" altLang="en-US" dirty="0"/>
-              <a:t>侵入</a:t>
-            </a:r>
-            <a:r>
-              <a:rPr lang="zh-CN" altLang="en-US" dirty="0" smtClean="0"/>
-              <a:t>式</a:t>
-            </a:r>
-            <a:r>
-              <a:rPr kumimoji="1" lang="zh-CN" altLang="en-US" dirty="0" smtClean="0"/>
+              <a:t>侵入式</a:t>
+            </a:r>
+            <a:r>
+              <a:rPr kumimoji="1" lang="zh-CN" altLang="en-US" dirty="0"/>
               <a:t>服务治理</a:t>
             </a:r>
             <a:r>
-              <a:rPr kumimoji="1" lang="en-US" altLang="zh-CN" dirty="0" smtClean="0"/>
+              <a:rPr kumimoji="1" lang="en-US" altLang="zh-CN" dirty="0"/>
               <a:t>-</a:t>
             </a:r>
             <a:r>
@@ -13409,12 +14483,8 @@
           <a:lstStyle/>
           <a:p>
             <a:r>
-              <a:rPr lang="zh-CN" altLang="en-US" dirty="0" smtClean="0"/>
-              <a:t>远程</a:t>
-            </a:r>
-            <a:r>
-              <a:rPr lang="zh-CN" altLang="en-US" dirty="0"/>
-              <a:t>通信</a:t>
+              <a:rPr lang="zh-CN" altLang="en-US" dirty="0"/>
+              <a:t>远程通信</a:t>
             </a:r>
           </a:p>
           <a:p>
@@ -13556,14 +14626,10 @@
           <a:p>
             <a:r>
               <a:rPr lang="zh-CN" altLang="en-US" dirty="0"/>
-              <a:t>跨语言服务</a:t>
-            </a:r>
-            <a:r>
-              <a:rPr lang="zh-CN" altLang="en-US" dirty="0" smtClean="0"/>
-              <a:t>治理</a:t>
-            </a:r>
-            <a:r>
-              <a:rPr lang="en-US" altLang="zh-CN" dirty="0" smtClean="0"/>
+              <a:t>跨语言服务治理</a:t>
+            </a:r>
+            <a:r>
+              <a:rPr lang="en-US" altLang="zh-CN" dirty="0"/>
               <a:t>-</a:t>
             </a:r>
             <a:r>
@@ -13571,7 +14637,7 @@
               <a:t> </a:t>
             </a:r>
             <a:r>
-              <a:rPr lang="en-US" altLang="zh-CN" b="0" dirty="0" err="1" smtClean="0"/>
+              <a:rPr lang="en-US" altLang="zh-CN" b="0" dirty="0" err="1"/>
               <a:t>istio</a:t>
             </a:r>
             <a:endParaRPr kumimoji="1" lang="zh-CN" altLang="en-US" dirty="0"/>
@@ -13843,10 +14909,9 @@
           <a:lstStyle/>
           <a:p>
             <a:r>
-              <a:rPr kumimoji="1" lang="zh-CN" altLang="en-US" dirty="0" smtClean="0"/>
+              <a:rPr kumimoji="1" lang="zh-CN" altLang="en-US" dirty="0"/>
               <a:t>云原生定义</a:t>
             </a:r>
-            <a:endParaRPr kumimoji="1" lang="zh-CN" altLang="en-US" dirty="0"/>
           </a:p>
         </p:txBody>
       </p:sp>
@@ -13875,26 +14940,18 @@
             </a:r>
             <a:r>
               <a:rPr lang="en-US" altLang="zh-CN" dirty="0"/>
-              <a:t>, immutable infrastructure, and declarative APIs exemplify this </a:t>
-            </a:r>
-            <a:r>
-              <a:rPr lang="en-US" altLang="zh-CN" dirty="0" smtClean="0"/>
-              <a:t>approach.</a:t>
-            </a:r>
-            <a:r>
-              <a:rPr lang="zh-CN" altLang="en-US" dirty="0" smtClean="0"/>
+              <a:t>, immutable infrastructure, and declarative APIs exemplify this approach.</a:t>
+            </a:r>
+            <a:r>
+              <a:rPr lang="zh-CN" altLang="en-US" dirty="0"/>
               <a:t> </a:t>
             </a:r>
-            <a:endParaRPr lang="en-US" altLang="zh-CN" dirty="0" smtClean="0"/>
-          </a:p>
-          <a:p>
-            <a:r>
-              <a:rPr lang="en-US" altLang="zh-CN" dirty="0" smtClean="0"/>
-              <a:t>These </a:t>
-            </a:r>
-            <a:r>
-              <a:rPr lang="en-US" altLang="zh-CN" dirty="0"/>
-              <a:t>techniques enable loosely coupled systems that are resilient, manageable, and observable. Combined with robust automation, they allow engineers to make high-impact changes frequently and predictably with minimal toil.</a:t>
+            <a:endParaRPr lang="en-US" altLang="zh-CN" dirty="0"/>
+          </a:p>
+          <a:p>
+            <a:r>
+              <a:rPr lang="en-US" altLang="zh-CN" dirty="0"/>
+              <a:t>These techniques enable loosely coupled systems that are resilient, manageable, and observable. Combined with robust automation, they allow engineers to make high-impact changes frequently and predictably with minimal toil.</a:t>
             </a:r>
           </a:p>
           <a:p>
@@ -13948,7 +15005,7 @@
           <a:lstStyle/>
           <a:p>
             <a:r>
-              <a:rPr lang="zh-CN" altLang="en-US" dirty="0" smtClean="0"/>
+              <a:rPr lang="zh-CN" altLang="en-US" dirty="0"/>
               <a:t>云原生特征</a:t>
             </a:r>
             <a:endParaRPr kumimoji="1" lang="zh-CN" altLang="en-US" dirty="0"/>
@@ -13972,13 +15029,8 @@
           <a:p>
             <a:r>
               <a:rPr lang="zh-CN" altLang="en-US" dirty="0"/>
-              <a:t>面向微服务。低</a:t>
-            </a:r>
-            <a:r>
-              <a:rPr lang="zh-CN" altLang="en-US" dirty="0" smtClean="0"/>
-              <a:t>耦合</a:t>
-            </a:r>
-            <a:endParaRPr lang="zh-CN" altLang="en-US" dirty="0"/>
+              <a:t>面向微服务。低耦合</a:t>
+            </a:r>
           </a:p>
           <a:p>
             <a:r>
@@ -14043,7 +15095,7 @@
           <a:lstStyle/>
           <a:p>
             <a:r>
-              <a:rPr kumimoji="1" lang="en-US" altLang="zh-CN" dirty="0" smtClean="0"/>
+              <a:rPr kumimoji="1" lang="en-US" altLang="zh-CN" dirty="0"/>
               <a:t>CNCF</a:t>
             </a:r>
             <a:endParaRPr kumimoji="1" lang="zh-CN" altLang="en-US" dirty="0"/>
@@ -14124,10 +15176,9 @@
           <a:lstStyle/>
           <a:p>
             <a:r>
-              <a:rPr kumimoji="1" lang="zh-CN" altLang="en-US" dirty="0" smtClean="0"/>
+              <a:rPr kumimoji="1" lang="zh-CN" altLang="en-US" dirty="0"/>
               <a:t>云原生趋势</a:t>
             </a:r>
-            <a:endParaRPr kumimoji="1" lang="zh-CN" altLang="en-US" dirty="0"/>
           </a:p>
         </p:txBody>
       </p:sp>
@@ -14221,13 +15272,8 @@
           <a:p>
             <a:r>
               <a:rPr kumimoji="1" lang="zh-CN" altLang="en-US" dirty="0"/>
-              <a:t>云</a:t>
-            </a:r>
-            <a:r>
-              <a:rPr kumimoji="1" lang="zh-CN" altLang="en-US" dirty="0" smtClean="0"/>
-              <a:t>原生趋势</a:t>
-            </a:r>
-            <a:endParaRPr kumimoji="1" lang="zh-CN" altLang="en-US" dirty="0"/>
+              <a:t>云原生趋势</a:t>
+            </a:r>
           </a:p>
         </p:txBody>
       </p:sp>
@@ -14319,11 +15365,7 @@
           <a:p>
             <a:r>
               <a:rPr lang="zh-CN" altLang="en-US" dirty="0"/>
-              <a:t>高速增长的现代软件公司</a:t>
-            </a:r>
-            <a:r>
-              <a:rPr lang="zh-CN" altLang="en-US" dirty="0" smtClean="0"/>
-              <a:t>特点</a:t>
+              <a:t>高速增长的现代软件公司特点</a:t>
             </a:r>
             <a:endParaRPr kumimoji="1" lang="zh-CN" altLang="en-US" dirty="0"/>
           </a:p>
